--- a/Lua Presentation.pptx
+++ b/Lua Presentation.pptx
@@ -5,34 +5,35 @@
     <p:sldMasterId id="2147483852" r:id="rId1"/>
   </p:sldMasterIdLst>
   <p:notesMasterIdLst>
-    <p:notesMasterId r:id="rId27"/>
+    <p:notesMasterId r:id="rId28"/>
   </p:notesMasterIdLst>
   <p:sldIdLst>
     <p:sldId id="256" r:id="rId2"/>
-    <p:sldId id="257" r:id="rId3"/>
-    <p:sldId id="258" r:id="rId4"/>
-    <p:sldId id="260" r:id="rId5"/>
-    <p:sldId id="259" r:id="rId6"/>
-    <p:sldId id="262" r:id="rId7"/>
-    <p:sldId id="264" r:id="rId8"/>
-    <p:sldId id="265" r:id="rId9"/>
-    <p:sldId id="261" r:id="rId10"/>
-    <p:sldId id="263" r:id="rId11"/>
-    <p:sldId id="266" r:id="rId12"/>
-    <p:sldId id="267" r:id="rId13"/>
-    <p:sldId id="268" r:id="rId14"/>
-    <p:sldId id="269" r:id="rId15"/>
-    <p:sldId id="270" r:id="rId16"/>
-    <p:sldId id="271" r:id="rId17"/>
-    <p:sldId id="272" r:id="rId18"/>
-    <p:sldId id="273" r:id="rId19"/>
-    <p:sldId id="275" r:id="rId20"/>
-    <p:sldId id="274" r:id="rId21"/>
+    <p:sldId id="258" r:id="rId3"/>
+    <p:sldId id="260" r:id="rId4"/>
+    <p:sldId id="259" r:id="rId5"/>
+    <p:sldId id="262" r:id="rId6"/>
+    <p:sldId id="264" r:id="rId7"/>
+    <p:sldId id="265" r:id="rId8"/>
+    <p:sldId id="261" r:id="rId9"/>
+    <p:sldId id="263" r:id="rId10"/>
+    <p:sldId id="266" r:id="rId11"/>
+    <p:sldId id="267" r:id="rId12"/>
+    <p:sldId id="268" r:id="rId13"/>
+    <p:sldId id="269" r:id="rId14"/>
+    <p:sldId id="270" r:id="rId15"/>
+    <p:sldId id="271" r:id="rId16"/>
+    <p:sldId id="272" r:id="rId17"/>
+    <p:sldId id="273" r:id="rId18"/>
+    <p:sldId id="275" r:id="rId19"/>
+    <p:sldId id="274" r:id="rId20"/>
+    <p:sldId id="281" r:id="rId21"/>
     <p:sldId id="276" r:id="rId22"/>
     <p:sldId id="280" r:id="rId23"/>
     <p:sldId id="277" r:id="rId24"/>
-    <p:sldId id="278" r:id="rId25"/>
-    <p:sldId id="279" r:id="rId26"/>
+    <p:sldId id="282" r:id="rId25"/>
+    <p:sldId id="257" r:id="rId26"/>
+    <p:sldId id="279" r:id="rId27"/>
   </p:sldIdLst>
   <p:sldSz cx="12192000" cy="6858000"/>
   <p:notesSz cx="6858000" cy="9144000"/>
@@ -221,7 +222,7 @@
           <a:p>
             <a:fld id="{1E462C82-9716-412D-B433-3F45468C383F}" type="datetimeFigureOut">
               <a:rPr lang="en-US" smtClean="0"/>
-              <a:t>2/17/2021</a:t>
+              <a:t>3/14/2021</a:t>
             </a:fld>
             <a:endParaRPr lang="en-US"/>
           </a:p>
@@ -556,7 +557,7 @@
           <a:p>
             <a:fld id="{FC6FD8D3-A8A2-40F6-BB58-40DEC8263545}" type="slidenum">
               <a:rPr lang="en-US" smtClean="0"/>
-              <a:t>3</a:t>
+              <a:t>2</a:t>
             </a:fld>
             <a:endParaRPr lang="en-US"/>
           </a:p>
@@ -566,6 +567,174 @@
     <p:extLst>
       <p:ext uri="{BB962C8B-B14F-4D97-AF65-F5344CB8AC3E}">
         <p14:creationId xmlns:p14="http://schemas.microsoft.com/office/powerpoint/2010/main" val="1108386032"/>
+      </p:ext>
+    </p:extLst>
+  </p:cSld>
+  <p:clrMapOvr>
+    <a:masterClrMapping/>
+  </p:clrMapOvr>
+</p:notes>
+</file>
+
+<file path=ppt/notesSlides/notesSlide10.xml><?xml version="1.0" encoding="utf-8"?>
+<p:notes xmlns:a="http://schemas.openxmlformats.org/drawingml/2006/main" xmlns:r="http://schemas.openxmlformats.org/officeDocument/2006/relationships" xmlns:p="http://schemas.openxmlformats.org/presentationml/2006/main">
+  <p:cSld>
+    <p:spTree>
+      <p:nvGrpSpPr>
+        <p:cNvPr id="1" name=""/>
+        <p:cNvGrpSpPr/>
+        <p:nvPr/>
+      </p:nvGrpSpPr>
+      <p:grpSpPr>
+        <a:xfrm>
+          <a:off x="0" y="0"/>
+          <a:ext cx="0" cy="0"/>
+          <a:chOff x="0" y="0"/>
+          <a:chExt cx="0" cy="0"/>
+        </a:xfrm>
+      </p:grpSpPr>
+      <p:sp>
+        <p:nvSpPr>
+          <p:cNvPr id="2" name="Slide Image Placeholder 1"/>
+          <p:cNvSpPr>
+            <a:spLocks noGrp="1" noRot="1" noChangeAspect="1"/>
+          </p:cNvSpPr>
+          <p:nvPr>
+            <p:ph type="sldImg"/>
+          </p:nvPr>
+        </p:nvSpPr>
+        <p:spPr/>
+      </p:sp>
+      <p:sp>
+        <p:nvSpPr>
+          <p:cNvPr id="3" name="Notes Placeholder 2"/>
+          <p:cNvSpPr>
+            <a:spLocks noGrp="1"/>
+          </p:cNvSpPr>
+          <p:nvPr>
+            <p:ph type="body" idx="1"/>
+          </p:nvPr>
+        </p:nvSpPr>
+        <p:spPr/>
+        <p:txBody>
+          <a:bodyPr/>
+          <a:lstStyle/>
+          <a:p>
+            <a:endParaRPr lang="en-US" dirty="0"/>
+          </a:p>
+        </p:txBody>
+      </p:sp>
+      <p:sp>
+        <p:nvSpPr>
+          <p:cNvPr id="4" name="Slide Number Placeholder 3"/>
+          <p:cNvSpPr>
+            <a:spLocks noGrp="1"/>
+          </p:cNvSpPr>
+          <p:nvPr>
+            <p:ph type="sldNum" sz="quarter" idx="5"/>
+          </p:nvPr>
+        </p:nvSpPr>
+        <p:spPr/>
+        <p:txBody>
+          <a:bodyPr/>
+          <a:lstStyle/>
+          <a:p>
+            <a:fld id="{FC6FD8D3-A8A2-40F6-BB58-40DEC8263545}" type="slidenum">
+              <a:rPr lang="en-US" smtClean="0"/>
+              <a:t>24</a:t>
+            </a:fld>
+            <a:endParaRPr lang="en-US"/>
+          </a:p>
+        </p:txBody>
+      </p:sp>
+    </p:spTree>
+    <p:extLst>
+      <p:ext uri="{BB962C8B-B14F-4D97-AF65-F5344CB8AC3E}">
+        <p14:creationId xmlns:p14="http://schemas.microsoft.com/office/powerpoint/2010/main" val="574535726"/>
+      </p:ext>
+    </p:extLst>
+  </p:cSld>
+  <p:clrMapOvr>
+    <a:masterClrMapping/>
+  </p:clrMapOvr>
+</p:notes>
+</file>
+
+<file path=ppt/notesSlides/notesSlide11.xml><?xml version="1.0" encoding="utf-8"?>
+<p:notes xmlns:a="http://schemas.openxmlformats.org/drawingml/2006/main" xmlns:r="http://schemas.openxmlformats.org/officeDocument/2006/relationships" xmlns:p="http://schemas.openxmlformats.org/presentationml/2006/main">
+  <p:cSld>
+    <p:spTree>
+      <p:nvGrpSpPr>
+        <p:cNvPr id="1" name=""/>
+        <p:cNvGrpSpPr/>
+        <p:nvPr/>
+      </p:nvGrpSpPr>
+      <p:grpSpPr>
+        <a:xfrm>
+          <a:off x="0" y="0"/>
+          <a:ext cx="0" cy="0"/>
+          <a:chOff x="0" y="0"/>
+          <a:chExt cx="0" cy="0"/>
+        </a:xfrm>
+      </p:grpSpPr>
+      <p:sp>
+        <p:nvSpPr>
+          <p:cNvPr id="2" name="Slide Image Placeholder 1"/>
+          <p:cNvSpPr>
+            <a:spLocks noGrp="1" noRot="1" noChangeAspect="1"/>
+          </p:cNvSpPr>
+          <p:nvPr>
+            <p:ph type="sldImg"/>
+          </p:nvPr>
+        </p:nvSpPr>
+        <p:spPr/>
+      </p:sp>
+      <p:sp>
+        <p:nvSpPr>
+          <p:cNvPr id="3" name="Notes Placeholder 2"/>
+          <p:cNvSpPr>
+            <a:spLocks noGrp="1"/>
+          </p:cNvSpPr>
+          <p:nvPr>
+            <p:ph type="body" idx="1"/>
+          </p:nvPr>
+        </p:nvSpPr>
+        <p:spPr/>
+        <p:txBody>
+          <a:bodyPr/>
+          <a:lstStyle/>
+          <a:p>
+            <a:endParaRPr lang="en-US" dirty="0"/>
+          </a:p>
+        </p:txBody>
+      </p:sp>
+      <p:sp>
+        <p:nvSpPr>
+          <p:cNvPr id="4" name="Slide Number Placeholder 3"/>
+          <p:cNvSpPr>
+            <a:spLocks noGrp="1"/>
+          </p:cNvSpPr>
+          <p:nvPr>
+            <p:ph type="sldNum" sz="quarter" idx="5"/>
+          </p:nvPr>
+        </p:nvSpPr>
+        <p:spPr/>
+        <p:txBody>
+          <a:bodyPr/>
+          <a:lstStyle/>
+          <a:p>
+            <a:fld id="{FC6FD8D3-A8A2-40F6-BB58-40DEC8263545}" type="slidenum">
+              <a:rPr lang="en-US" smtClean="0"/>
+              <a:t>25</a:t>
+            </a:fld>
+            <a:endParaRPr lang="en-US"/>
+          </a:p>
+        </p:txBody>
+      </p:sp>
+    </p:spTree>
+    <p:extLst>
+      <p:ext uri="{BB962C8B-B14F-4D97-AF65-F5344CB8AC3E}">
+        <p14:creationId xmlns:p14="http://schemas.microsoft.com/office/powerpoint/2010/main" val="130182950"/>
       </p:ext>
     </p:extLst>
   </p:cSld>
@@ -663,7 +832,7 @@
           <a:p>
             <a:fld id="{FC6FD8D3-A8A2-40F6-BB58-40DEC8263545}" type="slidenum">
               <a:rPr lang="en-US" smtClean="0"/>
-              <a:t>4</a:t>
+              <a:t>3</a:t>
             </a:fld>
             <a:endParaRPr lang="en-US"/>
           </a:p>
@@ -770,7 +939,7 @@
           <a:p>
             <a:fld id="{FC6FD8D3-A8A2-40F6-BB58-40DEC8263545}" type="slidenum">
               <a:rPr lang="en-US" smtClean="0"/>
-              <a:t>5</a:t>
+              <a:t>4</a:t>
             </a:fld>
             <a:endParaRPr lang="en-US"/>
           </a:p>
@@ -880,7 +1049,7 @@
           <a:p>
             <a:fld id="{FC6FD8D3-A8A2-40F6-BB58-40DEC8263545}" type="slidenum">
               <a:rPr lang="en-US" smtClean="0"/>
-              <a:t>6</a:t>
+              <a:t>5</a:t>
             </a:fld>
             <a:endParaRPr lang="en-US"/>
           </a:p>
@@ -968,7 +1137,7 @@
           <a:p>
             <a:fld id="{FC6FD8D3-A8A2-40F6-BB58-40DEC8263545}" type="slidenum">
               <a:rPr lang="en-US" smtClean="0"/>
-              <a:t>10</a:t>
+              <a:t>9</a:t>
             </a:fld>
             <a:endParaRPr lang="en-US"/>
           </a:p>
@@ -1056,7 +1225,7 @@
           <a:p>
             <a:fld id="{FC6FD8D3-A8A2-40F6-BB58-40DEC8263545}" type="slidenum">
               <a:rPr lang="en-US" smtClean="0"/>
-              <a:t>11</a:t>
+              <a:t>10</a:t>
             </a:fld>
             <a:endParaRPr lang="en-US"/>
           </a:p>
@@ -1143,7 +1312,7 @@
           <a:p>
             <a:fld id="{FC6FD8D3-A8A2-40F6-BB58-40DEC8263545}" type="slidenum">
               <a:rPr lang="en-US" smtClean="0"/>
-              <a:t>12</a:t>
+              <a:t>11</a:t>
             </a:fld>
             <a:endParaRPr lang="en-US"/>
           </a:p>
@@ -1230,7 +1399,7 @@
           <a:p>
             <a:fld id="{FC6FD8D3-A8A2-40F6-BB58-40DEC8263545}" type="slidenum">
               <a:rPr lang="en-US" smtClean="0"/>
-              <a:t>18</a:t>
+              <a:t>17</a:t>
             </a:fld>
             <a:endParaRPr lang="en-US"/>
           </a:p>
@@ -1240,6 +1409,96 @@
     <p:extLst>
       <p:ext uri="{BB962C8B-B14F-4D97-AF65-F5344CB8AC3E}">
         <p14:creationId xmlns:p14="http://schemas.microsoft.com/office/powerpoint/2010/main" val="4278244679"/>
+      </p:ext>
+    </p:extLst>
+  </p:cSld>
+  <p:clrMapOvr>
+    <a:masterClrMapping/>
+  </p:clrMapOvr>
+</p:notes>
+</file>
+
+<file path=ppt/notesSlides/notesSlide9.xml><?xml version="1.0" encoding="utf-8"?>
+<p:notes xmlns:a="http://schemas.openxmlformats.org/drawingml/2006/main" xmlns:r="http://schemas.openxmlformats.org/officeDocument/2006/relationships" xmlns:p="http://schemas.openxmlformats.org/presentationml/2006/main">
+  <p:cSld>
+    <p:spTree>
+      <p:nvGrpSpPr>
+        <p:cNvPr id="1" name=""/>
+        <p:cNvGrpSpPr/>
+        <p:nvPr/>
+      </p:nvGrpSpPr>
+      <p:grpSpPr>
+        <a:xfrm>
+          <a:off x="0" y="0"/>
+          <a:ext cx="0" cy="0"/>
+          <a:chOff x="0" y="0"/>
+          <a:chExt cx="0" cy="0"/>
+        </a:xfrm>
+      </p:grpSpPr>
+      <p:sp>
+        <p:nvSpPr>
+          <p:cNvPr id="2" name="Slide Image Placeholder 1"/>
+          <p:cNvSpPr>
+            <a:spLocks noGrp="1" noRot="1" noChangeAspect="1"/>
+          </p:cNvSpPr>
+          <p:nvPr>
+            <p:ph type="sldImg"/>
+          </p:nvPr>
+        </p:nvSpPr>
+        <p:spPr/>
+      </p:sp>
+      <p:sp>
+        <p:nvSpPr>
+          <p:cNvPr id="3" name="Notes Placeholder 2"/>
+          <p:cNvSpPr>
+            <a:spLocks noGrp="1"/>
+          </p:cNvSpPr>
+          <p:nvPr>
+            <p:ph type="body" idx="1"/>
+          </p:nvPr>
+        </p:nvSpPr>
+        <p:spPr/>
+        <p:txBody>
+          <a:bodyPr/>
+          <a:lstStyle/>
+          <a:p>
+            <a:r>
+              <a:rPr lang="en-US" dirty="0"/>
+              <a:t>Coroutines are rather complex and have many uses, but we will just cover the basics for this presentation. (Coroutines also show up in other languages and are not Lua-specific!)</a:t>
+            </a:r>
+          </a:p>
+          <a:p>
+            <a:endParaRPr lang="en-US" dirty="0"/>
+          </a:p>
+        </p:txBody>
+      </p:sp>
+      <p:sp>
+        <p:nvSpPr>
+          <p:cNvPr id="4" name="Slide Number Placeholder 3"/>
+          <p:cNvSpPr>
+            <a:spLocks noGrp="1"/>
+          </p:cNvSpPr>
+          <p:nvPr>
+            <p:ph type="sldNum" sz="quarter" idx="5"/>
+          </p:nvPr>
+        </p:nvSpPr>
+        <p:spPr/>
+        <p:txBody>
+          <a:bodyPr/>
+          <a:lstStyle/>
+          <a:p>
+            <a:fld id="{FC6FD8D3-A8A2-40F6-BB58-40DEC8263545}" type="slidenum">
+              <a:rPr lang="en-US" smtClean="0"/>
+              <a:t>20</a:t>
+            </a:fld>
+            <a:endParaRPr lang="en-US"/>
+          </a:p>
+        </p:txBody>
+      </p:sp>
+    </p:spTree>
+    <p:extLst>
+      <p:ext uri="{BB962C8B-B14F-4D97-AF65-F5344CB8AC3E}">
+        <p14:creationId xmlns:p14="http://schemas.microsoft.com/office/powerpoint/2010/main" val="2556990695"/>
       </p:ext>
     </p:extLst>
   </p:cSld>
@@ -1493,7 +1752,7 @@
           <a:p>
             <a:fld id="{9184DA70-C731-4C70-880D-CCD4705E623C}" type="datetime1">
               <a:rPr lang="en-US" smtClean="0"/>
-              <a:t>2/17/2021</a:t>
+              <a:t>3/14/2021</a:t>
             </a:fld>
             <a:endParaRPr lang="en-US" dirty="0"/>
           </a:p>
@@ -1681,7 +1940,7 @@
           <a:p>
             <a:fld id="{B612A279-0833-481D-8C56-F67FD0AC6C50}" type="datetime1">
               <a:rPr lang="en-US" smtClean="0"/>
-              <a:t>2/17/2021</a:t>
+              <a:t>3/14/2021</a:t>
             </a:fld>
             <a:endParaRPr lang="en-US" dirty="0"/>
           </a:p>
@@ -1923,7 +2182,7 @@
           <a:p>
             <a:fld id="{6587DA83-5663-4C9C-B9AA-0B40A3DAFF81}" type="datetime1">
               <a:rPr lang="en-US" smtClean="0"/>
-              <a:t>2/17/2021</a:t>
+              <a:t>3/14/2021</a:t>
             </a:fld>
             <a:endParaRPr lang="en-US" dirty="0"/>
           </a:p>
@@ -2111,7 +2370,7 @@
           <a:p>
             <a:fld id="{4BE1D723-8F53-4F53-90B0-1982A396982E}" type="datetime1">
               <a:rPr lang="en-US" smtClean="0"/>
-              <a:t>2/17/2021</a:t>
+              <a:t>3/14/2021</a:t>
             </a:fld>
             <a:endParaRPr lang="en-US" dirty="0"/>
           </a:p>
@@ -2484,7 +2743,7 @@
           <a:p>
             <a:fld id="{97669AF7-7BEB-44E4-9852-375E34362B5B}" type="datetime1">
               <a:rPr lang="en-US" smtClean="0"/>
-              <a:t>2/17/2021</a:t>
+              <a:t>3/14/2021</a:t>
             </a:fld>
             <a:endParaRPr lang="en-US" dirty="0"/>
           </a:p>
@@ -2739,7 +2998,7 @@
           <a:p>
             <a:fld id="{BAAAC38D-0552-4C82-B593-E6124DFADBE2}" type="datetime1">
               <a:rPr lang="en-US" smtClean="0"/>
-              <a:t>2/17/2021</a:t>
+              <a:t>3/14/2021</a:t>
             </a:fld>
             <a:endParaRPr lang="en-US" dirty="0"/>
           </a:p>
@@ -3136,7 +3395,7 @@
           <a:p>
             <a:fld id="{D9DF0F1C-5577-4ACB-BB62-DF8F3C494C7E}" type="datetime1">
               <a:rPr lang="en-US" smtClean="0"/>
-              <a:t>2/17/2021</a:t>
+              <a:t>3/14/2021</a:t>
             </a:fld>
             <a:endParaRPr lang="en-US" dirty="0"/>
           </a:p>
@@ -3272,7 +3531,7 @@
           <a:p>
             <a:fld id="{1775B394-D9F9-4F0C-B15D-605F45CB9E9F}" type="datetime1">
               <a:rPr lang="en-US" smtClean="0"/>
-              <a:t>2/17/2021</a:t>
+              <a:t>3/14/2021</a:t>
             </a:fld>
             <a:endParaRPr lang="en-US" dirty="0"/>
           </a:p>
@@ -3429,7 +3688,7 @@
           <a:p>
             <a:fld id="{39667345-2558-425A-8533-9BFDBCE15005}" type="datetime1">
               <a:rPr lang="en-US" smtClean="0"/>
-              <a:t>2/17/2021</a:t>
+              <a:t>3/14/2021</a:t>
             </a:fld>
             <a:endParaRPr lang="en-US" dirty="0"/>
           </a:p>
@@ -3758,7 +4017,7 @@
           <a:p>
             <a:fld id="{92BEA474-078D-4E9B-9B14-09A87B19DC46}" type="datetime1">
               <a:rPr lang="en-US" smtClean="0"/>
-              <a:t>2/17/2021</a:t>
+              <a:t>3/14/2021</a:t>
             </a:fld>
             <a:endParaRPr lang="en-US" dirty="0"/>
           </a:p>
@@ -4108,7 +4367,7 @@
           <a:p>
             <a:fld id="{4907D986-8816-4272-A432-0437A28A9828}" type="datetime1">
               <a:rPr lang="en-US" smtClean="0"/>
-              <a:t>2/17/2021</a:t>
+              <a:t>3/14/2021</a:t>
             </a:fld>
             <a:endParaRPr lang="en-US" dirty="0"/>
           </a:p>
@@ -4369,7 +4628,7 @@
           <a:p>
             <a:fld id="{62D6E202-B606-4609-B914-27C9371A1F6D}" type="datetime1">
               <a:rPr lang="en-US" smtClean="0"/>
-              <a:t>2/17/2021</a:t>
+              <a:t>3/14/2021</a:t>
             </a:fld>
             <a:endParaRPr lang="en-US" dirty="0"/>
           </a:p>
@@ -5213,127 +5472,6 @@
           <p:cNvPr id="2" name="Title 1">
             <a:extLst>
               <a:ext uri="{FF2B5EF4-FFF2-40B4-BE49-F238E27FC236}">
-                <a16:creationId xmlns:a16="http://schemas.microsoft.com/office/drawing/2014/main" id="{BD5598D6-880C-4257-A5C8-E5A3C2AC94A9}"/>
-              </a:ext>
-            </a:extLst>
-          </p:cNvPr>
-          <p:cNvSpPr>
-            <a:spLocks noGrp="1"/>
-          </p:cNvSpPr>
-          <p:nvPr>
-            <p:ph type="title"/>
-          </p:nvPr>
-        </p:nvSpPr>
-        <p:spPr/>
-        <p:txBody>
-          <a:bodyPr/>
-          <a:lstStyle/>
-          <a:p>
-            <a:r>
-              <a:rPr lang="en-US" dirty="0"/>
-              <a:t>Types</a:t>
-            </a:r>
-          </a:p>
-        </p:txBody>
-      </p:sp>
-      <p:sp>
-        <p:nvSpPr>
-          <p:cNvPr id="9" name="Content Placeholder 8">
-            <a:extLst>
-              <a:ext uri="{FF2B5EF4-FFF2-40B4-BE49-F238E27FC236}">
-                <a16:creationId xmlns:a16="http://schemas.microsoft.com/office/drawing/2014/main" id="{D4324CEF-B9A2-428C-AE5D-A6F38005864D}"/>
-              </a:ext>
-            </a:extLst>
-          </p:cNvPr>
-          <p:cNvSpPr>
-            <a:spLocks noGrp="1"/>
-          </p:cNvSpPr>
-          <p:nvPr>
-            <p:ph idx="1"/>
-          </p:nvPr>
-        </p:nvSpPr>
-        <p:spPr>
-          <a:xfrm>
-            <a:off x="1097280" y="2108201"/>
-            <a:ext cx="10058400" cy="2435807"/>
-          </a:xfrm>
-        </p:spPr>
-        <p:txBody>
-          <a:bodyPr/>
-          <a:lstStyle/>
-          <a:p>
-            <a:r>
-              <a:rPr lang="en-US" dirty="0"/>
-              <a:t>Lua uses loosely-typed variables by default. There are variants of Lua that allow for strongly-typed variables but they are not as commonly used.</a:t>
-            </a:r>
-          </a:p>
-        </p:txBody>
-      </p:sp>
-      <p:pic>
-        <p:nvPicPr>
-          <p:cNvPr id="10" name="Picture 9">
-            <a:extLst>
-              <a:ext uri="{FF2B5EF4-FFF2-40B4-BE49-F238E27FC236}">
-                <a16:creationId xmlns:a16="http://schemas.microsoft.com/office/drawing/2014/main" id="{45BB549F-712D-4DB6-A5C4-9C1026B691DD}"/>
-              </a:ext>
-            </a:extLst>
-          </p:cNvPr>
-          <p:cNvPicPr>
-            <a:picLocks noChangeAspect="1"/>
-          </p:cNvPicPr>
-          <p:nvPr/>
-        </p:nvPicPr>
-        <p:blipFill>
-          <a:blip r:embed="rId3"/>
-          <a:stretch>
-            <a:fillRect/>
-          </a:stretch>
-        </p:blipFill>
-        <p:spPr>
-          <a:xfrm>
-            <a:off x="1521142" y="3429000"/>
-            <a:ext cx="9210675" cy="2105025"/>
-          </a:xfrm>
-          <a:prstGeom prst="rect">
-            <a:avLst/>
-          </a:prstGeom>
-        </p:spPr>
-      </p:pic>
-    </p:spTree>
-    <p:extLst>
-      <p:ext uri="{BB962C8B-B14F-4D97-AF65-F5344CB8AC3E}">
-        <p14:creationId xmlns:p14="http://schemas.microsoft.com/office/powerpoint/2010/main" val="4177410623"/>
-      </p:ext>
-    </p:extLst>
-  </p:cSld>
-  <p:clrMapOvr>
-    <a:masterClrMapping/>
-  </p:clrMapOvr>
-</p:sld>
-</file>
-
-<file path=ppt/slides/slide11.xml><?xml version="1.0" encoding="utf-8"?>
-<p:sld xmlns:a="http://schemas.openxmlformats.org/drawingml/2006/main" xmlns:r="http://schemas.openxmlformats.org/officeDocument/2006/relationships" xmlns:p="http://schemas.openxmlformats.org/presentationml/2006/main">
-  <p:cSld>
-    <p:spTree>
-      <p:nvGrpSpPr>
-        <p:cNvPr id="1" name=""/>
-        <p:cNvGrpSpPr/>
-        <p:nvPr/>
-      </p:nvGrpSpPr>
-      <p:grpSpPr>
-        <a:xfrm>
-          <a:off x="0" y="0"/>
-          <a:ext cx="0" cy="0"/>
-          <a:chOff x="0" y="0"/>
-          <a:chExt cx="0" cy="0"/>
-        </a:xfrm>
-      </p:grpSpPr>
-      <p:sp>
-        <p:nvSpPr>
-          <p:cNvPr id="2" name="Title 1">
-            <a:extLst>
-              <a:ext uri="{FF2B5EF4-FFF2-40B4-BE49-F238E27FC236}">
                 <a16:creationId xmlns:a16="http://schemas.microsoft.com/office/drawing/2014/main" id="{E20D7602-1BE9-4BF9-B738-511F39611C3C}"/>
               </a:ext>
             </a:extLst>
@@ -5449,7 +5587,7 @@
 </p:sld>
 </file>
 
-<file path=ppt/slides/slide12.xml><?xml version="1.0" encoding="utf-8"?>
+<file path=ppt/slides/slide11.xml><?xml version="1.0" encoding="utf-8"?>
 <p:sld xmlns:a="http://schemas.openxmlformats.org/drawingml/2006/main" xmlns:r="http://schemas.openxmlformats.org/officeDocument/2006/relationships" xmlns:p="http://schemas.openxmlformats.org/presentationml/2006/main">
   <p:cSld>
     <p:spTree>
@@ -5539,7 +5677,7 @@
 </p:sld>
 </file>
 
-<file path=ppt/slides/slide13.xml><?xml version="1.0" encoding="utf-8"?>
+<file path=ppt/slides/slide12.xml><?xml version="1.0" encoding="utf-8"?>
 <p:sld xmlns:a="http://schemas.openxmlformats.org/drawingml/2006/main" xmlns:r="http://schemas.openxmlformats.org/officeDocument/2006/relationships" xmlns:p="http://schemas.openxmlformats.org/presentationml/2006/main">
   <p:cSld>
     <p:spTree>
@@ -5700,7 +5838,7 @@
 </p:sld>
 </file>
 
-<file path=ppt/slides/slide14.xml><?xml version="1.0" encoding="utf-8"?>
+<file path=ppt/slides/slide13.xml><?xml version="1.0" encoding="utf-8"?>
 <p:sld xmlns:a="http://schemas.openxmlformats.org/drawingml/2006/main" xmlns:r="http://schemas.openxmlformats.org/officeDocument/2006/relationships" xmlns:p="http://schemas.openxmlformats.org/presentationml/2006/main">
   <p:cSld>
     <p:spTree>
@@ -5816,7 +5954,7 @@
 </p:sld>
 </file>
 
-<file path=ppt/slides/slide15.xml><?xml version="1.0" encoding="utf-8"?>
+<file path=ppt/slides/slide14.xml><?xml version="1.0" encoding="utf-8"?>
 <p:sld xmlns:a="http://schemas.openxmlformats.org/drawingml/2006/main" xmlns:r="http://schemas.openxmlformats.org/officeDocument/2006/relationships" xmlns:p="http://schemas.openxmlformats.org/presentationml/2006/main">
   <p:cSld>
     <p:spTree>
@@ -5880,7 +6018,7 @@
         <p:spPr/>
         <p:txBody>
           <a:bodyPr>
-            <a:normAutofit lnSpcReduction="10000"/>
+            <a:normAutofit/>
           </a:bodyPr>
           <a:lstStyle/>
           <a:p>
@@ -5903,12 +6041,6 @@
           </a:p>
           <a:p>
             <a:endParaRPr lang="en-US" dirty="0"/>
-          </a:p>
-          <a:p>
-            <a:r>
-              <a:rPr lang="en-US" dirty="0"/>
-              <a:t>**NOTE** Add an extra slide about tables (more depth)</a:t>
-            </a:r>
           </a:p>
         </p:txBody>
       </p:sp>
@@ -5955,7 +6087,7 @@
 </p:sld>
 </file>
 
-<file path=ppt/slides/slide16.xml><?xml version="1.0" encoding="utf-8"?>
+<file path=ppt/slides/slide15.xml><?xml version="1.0" encoding="utf-8"?>
 <p:sld xmlns:a="http://schemas.openxmlformats.org/drawingml/2006/main" xmlns:r="http://schemas.openxmlformats.org/officeDocument/2006/relationships" xmlns:p="http://schemas.openxmlformats.org/presentationml/2006/main">
   <p:cSld>
     <p:spTree>
@@ -6074,7 +6206,7 @@
 </p:sld>
 </file>
 
-<file path=ppt/slides/slide17.xml><?xml version="1.0" encoding="utf-8"?>
+<file path=ppt/slides/slide16.xml><?xml version="1.0" encoding="utf-8"?>
 <p:sld xmlns:a="http://schemas.openxmlformats.org/drawingml/2006/main" xmlns:r="http://schemas.openxmlformats.org/officeDocument/2006/relationships" xmlns:p="http://schemas.openxmlformats.org/presentationml/2006/main">
   <p:cSld>
     <p:spTree>
@@ -6242,7 +6374,7 @@
 </p:sld>
 </file>
 
-<file path=ppt/slides/slide18.xml><?xml version="1.0" encoding="utf-8"?>
+<file path=ppt/slides/slide17.xml><?xml version="1.0" encoding="utf-8"?>
 <p:sld xmlns:a="http://schemas.openxmlformats.org/drawingml/2006/main" xmlns:r="http://schemas.openxmlformats.org/officeDocument/2006/relationships" xmlns:p="http://schemas.openxmlformats.org/presentationml/2006/main">
   <p:cSld>
     <p:spTree>
@@ -6374,7 +6506,7 @@
 </p:sld>
 </file>
 
-<file path=ppt/slides/slide19.xml><?xml version="1.0" encoding="utf-8"?>
+<file path=ppt/slides/slide18.xml><?xml version="1.0" encoding="utf-8"?>
 <p:sld xmlns:a="http://schemas.openxmlformats.org/drawingml/2006/main" xmlns:r="http://schemas.openxmlformats.org/officeDocument/2006/relationships" xmlns:p="http://schemas.openxmlformats.org/presentationml/2006/main">
   <p:cSld>
     <p:spTree>
@@ -6490,6 +6622,128 @@
 </p:sld>
 </file>
 
+<file path=ppt/slides/slide19.xml><?xml version="1.0" encoding="utf-8"?>
+<p:sld xmlns:a="http://schemas.openxmlformats.org/drawingml/2006/main" xmlns:r="http://schemas.openxmlformats.org/officeDocument/2006/relationships" xmlns:p="http://schemas.openxmlformats.org/presentationml/2006/main">
+  <p:cSld>
+    <p:spTree>
+      <p:nvGrpSpPr>
+        <p:cNvPr id="1" name=""/>
+        <p:cNvGrpSpPr/>
+        <p:nvPr/>
+      </p:nvGrpSpPr>
+      <p:grpSpPr>
+        <a:xfrm>
+          <a:off x="0" y="0"/>
+          <a:ext cx="0" cy="0"/>
+          <a:chOff x="0" y="0"/>
+          <a:chExt cx="0" cy="0"/>
+        </a:xfrm>
+      </p:grpSpPr>
+      <p:sp>
+        <p:nvSpPr>
+          <p:cNvPr id="2" name="Title 1">
+            <a:extLst>
+              <a:ext uri="{FF2B5EF4-FFF2-40B4-BE49-F238E27FC236}">
+                <a16:creationId xmlns:a16="http://schemas.microsoft.com/office/drawing/2014/main" id="{A423092D-2F1A-4E51-AA10-46847E0C06A8}"/>
+              </a:ext>
+            </a:extLst>
+          </p:cNvPr>
+          <p:cNvSpPr>
+            <a:spLocks noGrp="1"/>
+          </p:cNvSpPr>
+          <p:nvPr>
+            <p:ph type="title"/>
+          </p:nvPr>
+        </p:nvSpPr>
+        <p:spPr/>
+        <p:txBody>
+          <a:bodyPr/>
+          <a:lstStyle/>
+          <a:p>
+            <a:r>
+              <a:rPr lang="en-US" dirty="0"/>
+              <a:t>Coroutines</a:t>
+            </a:r>
+          </a:p>
+        </p:txBody>
+      </p:sp>
+      <p:sp>
+        <p:nvSpPr>
+          <p:cNvPr id="3" name="Content Placeholder 2">
+            <a:extLst>
+              <a:ext uri="{FF2B5EF4-FFF2-40B4-BE49-F238E27FC236}">
+                <a16:creationId xmlns:a16="http://schemas.microsoft.com/office/drawing/2014/main" id="{938ED2C4-9542-4BC5-8216-67BABCE25D99}"/>
+              </a:ext>
+            </a:extLst>
+          </p:cNvPr>
+          <p:cNvSpPr>
+            <a:spLocks noGrp="1"/>
+          </p:cNvSpPr>
+          <p:nvPr>
+            <p:ph idx="1"/>
+          </p:nvPr>
+        </p:nvSpPr>
+        <p:spPr/>
+        <p:txBody>
+          <a:bodyPr/>
+          <a:lstStyle/>
+          <a:p>
+            <a:r>
+              <a:rPr lang="en-US" dirty="0"/>
+              <a:t>A coroutine is a line of execution with its own stack, local variables, and instruction pointer. However, coroutines share general variables and mostly anything else with other coroutines.</a:t>
+            </a:r>
+          </a:p>
+          <a:p>
+            <a:r>
+              <a:rPr lang="en-US" dirty="0"/>
+              <a:t>Lua offers all its coroutine functions in the coroutine table. The create function creates new coroutines. It has a single argument, which is a function with the code that the coroutine will run. It returns a value of type thread, which represents the new coroutine.</a:t>
+            </a:r>
+          </a:p>
+        </p:txBody>
+      </p:sp>
+      <p:pic>
+        <p:nvPicPr>
+          <p:cNvPr id="6" name="Picture 5">
+            <a:extLst>
+              <a:ext uri="{FF2B5EF4-FFF2-40B4-BE49-F238E27FC236}">
+                <a16:creationId xmlns:a16="http://schemas.microsoft.com/office/drawing/2014/main" id="{771AD00C-6C94-42DD-8732-2BB6954DB96D}"/>
+              </a:ext>
+            </a:extLst>
+          </p:cNvPr>
+          <p:cNvPicPr>
+            <a:picLocks noChangeAspect="1"/>
+          </p:cNvPicPr>
+          <p:nvPr/>
+        </p:nvPicPr>
+        <p:blipFill>
+          <a:blip r:embed="rId2"/>
+          <a:stretch>
+            <a:fillRect/>
+          </a:stretch>
+        </p:blipFill>
+        <p:spPr>
+          <a:xfrm>
+            <a:off x="4067175" y="4230792"/>
+            <a:ext cx="4057650" cy="1638300"/>
+          </a:xfrm>
+          <a:prstGeom prst="rect">
+            <a:avLst/>
+          </a:prstGeom>
+        </p:spPr>
+      </p:pic>
+    </p:spTree>
+    <p:extLst>
+      <p:ext uri="{BB962C8B-B14F-4D97-AF65-F5344CB8AC3E}">
+        <p14:creationId xmlns:p14="http://schemas.microsoft.com/office/powerpoint/2010/main" val="3093925296"/>
+      </p:ext>
+    </p:extLst>
+  </p:cSld>
+  <p:clrMapOvr>
+    <a:masterClrMapping/>
+  </p:clrMapOvr>
+</p:sld>
+</file>
+
 <file path=ppt/slides/slide2.xml><?xml version="1.0" encoding="utf-8"?>
 <p:sld xmlns:a="http://schemas.openxmlformats.org/drawingml/2006/main" xmlns:r="http://schemas.openxmlformats.org/officeDocument/2006/relationships" xmlns:p="http://schemas.openxmlformats.org/presentationml/2006/main">
   <p:cSld>
@@ -6512,6 +6766,856 @@
           <p:cNvPr id="2" name="Title 1">
             <a:extLst>
               <a:ext uri="{FF2B5EF4-FFF2-40B4-BE49-F238E27FC236}">
+                <a16:creationId xmlns:a16="http://schemas.microsoft.com/office/drawing/2014/main" id="{704980AC-A9DE-46D7-AEA3-6EEF22D2E3CA}"/>
+              </a:ext>
+            </a:extLst>
+          </p:cNvPr>
+          <p:cNvSpPr>
+            <a:spLocks noGrp="1"/>
+          </p:cNvSpPr>
+          <p:nvPr>
+            <p:ph type="title"/>
+          </p:nvPr>
+        </p:nvSpPr>
+        <p:spPr/>
+        <p:txBody>
+          <a:bodyPr/>
+          <a:lstStyle/>
+          <a:p>
+            <a:r>
+              <a:rPr lang="en-US" dirty="0"/>
+              <a:t>What is Lua?</a:t>
+            </a:r>
+          </a:p>
+        </p:txBody>
+      </p:sp>
+      <p:sp>
+        <p:nvSpPr>
+          <p:cNvPr id="3" name="Content Placeholder 2">
+            <a:extLst>
+              <a:ext uri="{FF2B5EF4-FFF2-40B4-BE49-F238E27FC236}">
+                <a16:creationId xmlns:a16="http://schemas.microsoft.com/office/drawing/2014/main" id="{46EB9CD4-F6D0-4345-8B5F-D6A5FE891D8D}"/>
+              </a:ext>
+            </a:extLst>
+          </p:cNvPr>
+          <p:cNvSpPr>
+            <a:spLocks noGrp="1"/>
+          </p:cNvSpPr>
+          <p:nvPr>
+            <p:ph idx="1"/>
+          </p:nvPr>
+        </p:nvSpPr>
+        <p:spPr/>
+        <p:txBody>
+          <a:bodyPr/>
+          <a:lstStyle/>
+          <a:p>
+            <a:r>
+              <a:rPr lang="en-US" dirty="0"/>
+              <a:t>Lua is a powerful, efficient, lightweight, embeddable scripting language. </a:t>
+            </a:r>
+          </a:p>
+          <a:p>
+            <a:r>
+              <a:rPr lang="en-US" dirty="0"/>
+              <a:t>Lua is compiled and written in ANSI C (Standard C) and uses a simple C API to embed itself into applications. This allows it to support cross-platform usage, although Lua programs are usually developed on Linux operating systems.</a:t>
+            </a:r>
+          </a:p>
+          <a:p>
+            <a:r>
+              <a:rPr lang="en-US" dirty="0"/>
+              <a:t>It supports procedural programming, object-oriented programming, functional programming, data-driven programming, and data description.</a:t>
+            </a:r>
+          </a:p>
+        </p:txBody>
+      </p:sp>
+      <p:pic>
+        <p:nvPicPr>
+          <p:cNvPr id="6" name="Graphic 5">
+            <a:extLst>
+              <a:ext uri="{FF2B5EF4-FFF2-40B4-BE49-F238E27FC236}">
+                <a16:creationId xmlns:a16="http://schemas.microsoft.com/office/drawing/2014/main" id="{99324290-8606-4F2C-86C6-C4584E886DBB}"/>
+              </a:ext>
+            </a:extLst>
+          </p:cNvPr>
+          <p:cNvPicPr>
+            <a:picLocks noChangeAspect="1"/>
+          </p:cNvPicPr>
+          <p:nvPr/>
+        </p:nvPicPr>
+        <p:blipFill>
+          <a:blip r:embed="rId3">
+            <a:extLst>
+              <a:ext uri="{96DAC541-7B7A-43D3-8B79-37D633B846F1}">
+                <asvg:svgBlip xmlns:asvg="http://schemas.microsoft.com/office/drawing/2016/SVG/main" r:embed="rId4"/>
+              </a:ext>
+            </a:extLst>
+          </a:blip>
+          <a:stretch>
+            <a:fillRect/>
+          </a:stretch>
+        </p:blipFill>
+        <p:spPr>
+          <a:xfrm>
+            <a:off x="8293742" y="4419005"/>
+            <a:ext cx="1559835" cy="1559835"/>
+          </a:xfrm>
+          <a:prstGeom prst="rect">
+            <a:avLst/>
+          </a:prstGeom>
+        </p:spPr>
+      </p:pic>
+      <p:pic>
+        <p:nvPicPr>
+          <p:cNvPr id="8" name="Picture 7" descr="Icon&#10;&#10;Description automatically generated">
+            <a:extLst>
+              <a:ext uri="{FF2B5EF4-FFF2-40B4-BE49-F238E27FC236}">
+                <a16:creationId xmlns:a16="http://schemas.microsoft.com/office/drawing/2014/main" id="{09F161C1-5481-43CF-8665-1E7B94F64A89}"/>
+              </a:ext>
+            </a:extLst>
+          </p:cNvPr>
+          <p:cNvPicPr>
+            <a:picLocks noChangeAspect="1"/>
+          </p:cNvPicPr>
+          <p:nvPr/>
+        </p:nvPicPr>
+        <p:blipFill>
+          <a:blip r:embed="rId5"/>
+          <a:stretch>
+            <a:fillRect/>
+          </a:stretch>
+        </p:blipFill>
+        <p:spPr>
+          <a:xfrm>
+            <a:off x="9913019" y="4157913"/>
+            <a:ext cx="2082020" cy="2082020"/>
+          </a:xfrm>
+          <a:prstGeom prst="rect">
+            <a:avLst/>
+          </a:prstGeom>
+        </p:spPr>
+      </p:pic>
+    </p:spTree>
+    <p:extLst>
+      <p:ext uri="{BB962C8B-B14F-4D97-AF65-F5344CB8AC3E}">
+        <p14:creationId xmlns:p14="http://schemas.microsoft.com/office/powerpoint/2010/main" val="3966868082"/>
+      </p:ext>
+    </p:extLst>
+  </p:cSld>
+  <p:clrMapOvr>
+    <a:masterClrMapping/>
+  </p:clrMapOvr>
+</p:sld>
+</file>
+
+<file path=ppt/slides/slide20.xml><?xml version="1.0" encoding="utf-8"?>
+<p:sld xmlns:a="http://schemas.openxmlformats.org/drawingml/2006/main" xmlns:r="http://schemas.openxmlformats.org/officeDocument/2006/relationships" xmlns:p="http://schemas.openxmlformats.org/presentationml/2006/main">
+  <p:cSld>
+    <p:spTree>
+      <p:nvGrpSpPr>
+        <p:cNvPr id="1" name=""/>
+        <p:cNvGrpSpPr/>
+        <p:nvPr/>
+      </p:nvGrpSpPr>
+      <p:grpSpPr>
+        <a:xfrm>
+          <a:off x="0" y="0"/>
+          <a:ext cx="0" cy="0"/>
+          <a:chOff x="0" y="0"/>
+          <a:chExt cx="0" cy="0"/>
+        </a:xfrm>
+      </p:grpSpPr>
+      <p:sp>
+        <p:nvSpPr>
+          <p:cNvPr id="2" name="Title 1">
+            <a:extLst>
+              <a:ext uri="{FF2B5EF4-FFF2-40B4-BE49-F238E27FC236}">
+                <a16:creationId xmlns:a16="http://schemas.microsoft.com/office/drawing/2014/main" id="{CECBFC06-587F-44B0-B822-2D0D4E2C5FCE}"/>
+              </a:ext>
+            </a:extLst>
+          </p:cNvPr>
+          <p:cNvSpPr>
+            <a:spLocks noGrp="1"/>
+          </p:cNvSpPr>
+          <p:nvPr>
+            <p:ph type="title"/>
+          </p:nvPr>
+        </p:nvSpPr>
+        <p:spPr/>
+        <p:txBody>
+          <a:bodyPr/>
+          <a:lstStyle/>
+          <a:p>
+            <a:r>
+              <a:rPr lang="en-US" dirty="0"/>
+              <a:t>Coroutines Continued</a:t>
+            </a:r>
+          </a:p>
+        </p:txBody>
+      </p:sp>
+      <p:sp>
+        <p:nvSpPr>
+          <p:cNvPr id="3" name="Content Placeholder 2">
+            <a:extLst>
+              <a:ext uri="{FF2B5EF4-FFF2-40B4-BE49-F238E27FC236}">
+                <a16:creationId xmlns:a16="http://schemas.microsoft.com/office/drawing/2014/main" id="{7A6A1A1F-D9E7-42CE-B41C-3DC936AE3A00}"/>
+              </a:ext>
+            </a:extLst>
+          </p:cNvPr>
+          <p:cNvSpPr>
+            <a:spLocks noGrp="1"/>
+          </p:cNvSpPr>
+          <p:nvPr>
+            <p:ph idx="1"/>
+          </p:nvPr>
+        </p:nvSpPr>
+        <p:spPr>
+          <a:xfrm>
+            <a:off x="1097280" y="2108201"/>
+            <a:ext cx="10058400" cy="4239333"/>
+          </a:xfrm>
+        </p:spPr>
+        <p:txBody>
+          <a:bodyPr/>
+          <a:lstStyle/>
+          <a:p>
+            <a:pPr marL="0" indent="0">
+              <a:buNone/>
+            </a:pPr>
+            <a:r>
+              <a:rPr lang="en-US" dirty="0"/>
+              <a:t>A coroutine can be in one of three different states: suspended, running, and dead. When created, a coroutine starts in the suspended state. This means that its code is not automatically executed until specified. The status of a coroutine can be checked with the status function.</a:t>
+            </a:r>
+          </a:p>
+          <a:p>
+            <a:endParaRPr lang="en-US" dirty="0"/>
+          </a:p>
+          <a:p>
+            <a:endParaRPr lang="en-US" dirty="0"/>
+          </a:p>
+          <a:p>
+            <a:pPr marL="0" indent="0">
+              <a:buNone/>
+            </a:pPr>
+            <a:r>
+              <a:rPr lang="en-US" dirty="0"/>
+              <a:t>To execute the code in the previous slide, we simply write:</a:t>
+            </a:r>
+          </a:p>
+          <a:p>
+            <a:pPr marL="0" indent="0">
+              <a:buNone/>
+            </a:pPr>
+            <a:endParaRPr lang="en-US" dirty="0"/>
+          </a:p>
+          <a:p>
+            <a:pPr marL="0" indent="0">
+              <a:buNone/>
+            </a:pPr>
+            <a:endParaRPr lang="en-US" dirty="0"/>
+          </a:p>
+          <a:p>
+            <a:pPr marL="0" indent="0">
+              <a:buNone/>
+            </a:pPr>
+            <a:r>
+              <a:rPr lang="en-US" dirty="0"/>
+              <a:t>The coroutine will then terminate and revert to a “dead” state from which it cannot return.</a:t>
+            </a:r>
+          </a:p>
+          <a:p>
+            <a:pPr marL="0" indent="0">
+              <a:buNone/>
+            </a:pPr>
+            <a:endParaRPr lang="en-US" dirty="0"/>
+          </a:p>
+          <a:p>
+            <a:pPr marL="0" indent="0">
+              <a:buNone/>
+            </a:pPr>
+            <a:endParaRPr lang="en-US" dirty="0"/>
+          </a:p>
+        </p:txBody>
+      </p:sp>
+      <p:pic>
+        <p:nvPicPr>
+          <p:cNvPr id="4" name="Picture 3">
+            <a:extLst>
+              <a:ext uri="{FF2B5EF4-FFF2-40B4-BE49-F238E27FC236}">
+                <a16:creationId xmlns:a16="http://schemas.microsoft.com/office/drawing/2014/main" id="{4652723E-B129-4AAB-A3D1-371FB7C4DD59}"/>
+              </a:ext>
+            </a:extLst>
+          </p:cNvPr>
+          <p:cNvPicPr>
+            <a:picLocks noChangeAspect="1"/>
+          </p:cNvPicPr>
+          <p:nvPr/>
+        </p:nvPicPr>
+        <p:blipFill>
+          <a:blip r:embed="rId3"/>
+          <a:stretch>
+            <a:fillRect/>
+          </a:stretch>
+        </p:blipFill>
+        <p:spPr>
+          <a:xfrm>
+            <a:off x="1097280" y="3357979"/>
+            <a:ext cx="5000625" cy="781050"/>
+          </a:xfrm>
+          <a:prstGeom prst="rect">
+            <a:avLst/>
+          </a:prstGeom>
+        </p:spPr>
+      </p:pic>
+      <p:pic>
+        <p:nvPicPr>
+          <p:cNvPr id="6" name="Picture 5">
+            <a:extLst>
+              <a:ext uri="{FF2B5EF4-FFF2-40B4-BE49-F238E27FC236}">
+                <a16:creationId xmlns:a16="http://schemas.microsoft.com/office/drawing/2014/main" id="{5253EB3A-4FFC-4A85-83FB-2394967237B1}"/>
+              </a:ext>
+            </a:extLst>
+          </p:cNvPr>
+          <p:cNvPicPr>
+            <a:picLocks noChangeAspect="1"/>
+          </p:cNvPicPr>
+          <p:nvPr/>
+        </p:nvPicPr>
+        <p:blipFill>
+          <a:blip r:embed="rId4"/>
+          <a:stretch>
+            <a:fillRect/>
+          </a:stretch>
+        </p:blipFill>
+        <p:spPr>
+          <a:xfrm>
+            <a:off x="1097280" y="4852756"/>
+            <a:ext cx="3863594" cy="781050"/>
+          </a:xfrm>
+          <a:prstGeom prst="rect">
+            <a:avLst/>
+          </a:prstGeom>
+        </p:spPr>
+      </p:pic>
+    </p:spTree>
+    <p:extLst>
+      <p:ext uri="{BB962C8B-B14F-4D97-AF65-F5344CB8AC3E}">
+        <p14:creationId xmlns:p14="http://schemas.microsoft.com/office/powerpoint/2010/main" val="1619015533"/>
+      </p:ext>
+    </p:extLst>
+  </p:cSld>
+  <p:clrMapOvr>
+    <a:masterClrMapping/>
+  </p:clrMapOvr>
+</p:sld>
+</file>
+
+<file path=ppt/slides/slide21.xml><?xml version="1.0" encoding="utf-8"?>
+<p:sld xmlns:a="http://schemas.openxmlformats.org/drawingml/2006/main" xmlns:r="http://schemas.openxmlformats.org/officeDocument/2006/relationships" xmlns:p="http://schemas.openxmlformats.org/presentationml/2006/main">
+  <p:cSld>
+    <p:spTree>
+      <p:nvGrpSpPr>
+        <p:cNvPr id="1" name=""/>
+        <p:cNvGrpSpPr/>
+        <p:nvPr/>
+      </p:nvGrpSpPr>
+      <p:grpSpPr>
+        <a:xfrm>
+          <a:off x="0" y="0"/>
+          <a:ext cx="0" cy="0"/>
+          <a:chOff x="0" y="0"/>
+          <a:chExt cx="0" cy="0"/>
+        </a:xfrm>
+      </p:grpSpPr>
+      <p:sp>
+        <p:nvSpPr>
+          <p:cNvPr id="2" name="Title 1">
+            <a:extLst>
+              <a:ext uri="{FF2B5EF4-FFF2-40B4-BE49-F238E27FC236}">
+                <a16:creationId xmlns:a16="http://schemas.microsoft.com/office/drawing/2014/main" id="{9C696862-4667-47D0-BC77-7F6BF480362F}"/>
+              </a:ext>
+            </a:extLst>
+          </p:cNvPr>
+          <p:cNvSpPr>
+            <a:spLocks noGrp="1"/>
+          </p:cNvSpPr>
+          <p:nvPr>
+            <p:ph type="title"/>
+          </p:nvPr>
+        </p:nvSpPr>
+        <p:spPr/>
+        <p:txBody>
+          <a:bodyPr/>
+          <a:lstStyle/>
+          <a:p>
+            <a:r>
+              <a:rPr lang="en-US" dirty="0"/>
+              <a:t>Lua Predefined Functions</a:t>
+            </a:r>
+          </a:p>
+        </p:txBody>
+      </p:sp>
+      <p:sp>
+        <p:nvSpPr>
+          <p:cNvPr id="3" name="Content Placeholder 2">
+            <a:extLst>
+              <a:ext uri="{FF2B5EF4-FFF2-40B4-BE49-F238E27FC236}">
+                <a16:creationId xmlns:a16="http://schemas.microsoft.com/office/drawing/2014/main" id="{AA0415EE-BACA-48B4-916E-463A776E7286}"/>
+              </a:ext>
+            </a:extLst>
+          </p:cNvPr>
+          <p:cNvSpPr>
+            <a:spLocks noGrp="1"/>
+          </p:cNvSpPr>
+          <p:nvPr>
+            <p:ph idx="1"/>
+          </p:nvPr>
+        </p:nvSpPr>
+        <p:spPr/>
+        <p:txBody>
+          <a:bodyPr/>
+          <a:lstStyle/>
+          <a:p>
+            <a:r>
+              <a:rPr lang="en-US" dirty="0"/>
+              <a:t>Lua has many predefined functions to simplify coding (most of which are based off C functions). </a:t>
+            </a:r>
+          </a:p>
+        </p:txBody>
+      </p:sp>
+      <p:pic>
+        <p:nvPicPr>
+          <p:cNvPr id="4" name="Picture 3">
+            <a:extLst>
+              <a:ext uri="{FF2B5EF4-FFF2-40B4-BE49-F238E27FC236}">
+                <a16:creationId xmlns:a16="http://schemas.microsoft.com/office/drawing/2014/main" id="{4C2DE6E9-AF58-46C9-91D3-5185BD37DCFD}"/>
+              </a:ext>
+            </a:extLst>
+          </p:cNvPr>
+          <p:cNvPicPr>
+            <a:picLocks noChangeAspect="1"/>
+          </p:cNvPicPr>
+          <p:nvPr/>
+        </p:nvPicPr>
+        <p:blipFill>
+          <a:blip r:embed="rId2"/>
+          <a:stretch>
+            <a:fillRect/>
+          </a:stretch>
+        </p:blipFill>
+        <p:spPr>
+          <a:xfrm>
+            <a:off x="1887855" y="3150446"/>
+            <a:ext cx="8477250" cy="1676400"/>
+          </a:xfrm>
+          <a:prstGeom prst="rect">
+            <a:avLst/>
+          </a:prstGeom>
+        </p:spPr>
+      </p:pic>
+    </p:spTree>
+    <p:extLst>
+      <p:ext uri="{BB962C8B-B14F-4D97-AF65-F5344CB8AC3E}">
+        <p14:creationId xmlns:p14="http://schemas.microsoft.com/office/powerpoint/2010/main" val="3683556141"/>
+      </p:ext>
+    </p:extLst>
+  </p:cSld>
+  <p:clrMapOvr>
+    <a:masterClrMapping/>
+  </p:clrMapOvr>
+</p:sld>
+</file>
+
+<file path=ppt/slides/slide22.xml><?xml version="1.0" encoding="utf-8"?>
+<p:sld xmlns:a="http://schemas.openxmlformats.org/drawingml/2006/main" xmlns:r="http://schemas.openxmlformats.org/officeDocument/2006/relationships" xmlns:p="http://schemas.openxmlformats.org/presentationml/2006/main">
+  <p:cSld>
+    <p:spTree>
+      <p:nvGrpSpPr>
+        <p:cNvPr id="1" name=""/>
+        <p:cNvGrpSpPr/>
+        <p:nvPr/>
+      </p:nvGrpSpPr>
+      <p:grpSpPr>
+        <a:xfrm>
+          <a:off x="0" y="0"/>
+          <a:ext cx="0" cy="0"/>
+          <a:chOff x="0" y="0"/>
+          <a:chExt cx="0" cy="0"/>
+        </a:xfrm>
+      </p:grpSpPr>
+      <p:sp>
+        <p:nvSpPr>
+          <p:cNvPr id="2" name="Title 1">
+            <a:extLst>
+              <a:ext uri="{FF2B5EF4-FFF2-40B4-BE49-F238E27FC236}">
+                <a16:creationId xmlns:a16="http://schemas.microsoft.com/office/drawing/2014/main" id="{1419A401-4C38-47AC-B76E-174712EA08DB}"/>
+              </a:ext>
+            </a:extLst>
+          </p:cNvPr>
+          <p:cNvSpPr>
+            <a:spLocks noGrp="1"/>
+          </p:cNvSpPr>
+          <p:nvPr>
+            <p:ph type="title"/>
+          </p:nvPr>
+        </p:nvSpPr>
+        <p:spPr/>
+        <p:txBody>
+          <a:bodyPr/>
+          <a:lstStyle/>
+          <a:p>
+            <a:r>
+              <a:rPr lang="en-US" dirty="0"/>
+              <a:t>Lua / HTML</a:t>
+            </a:r>
+          </a:p>
+        </p:txBody>
+      </p:sp>
+      <p:sp>
+        <p:nvSpPr>
+          <p:cNvPr id="5" name="Content Placeholder 4">
+            <a:extLst>
+              <a:ext uri="{FF2B5EF4-FFF2-40B4-BE49-F238E27FC236}">
+                <a16:creationId xmlns:a16="http://schemas.microsoft.com/office/drawing/2014/main" id="{4066C79A-AA9B-4795-AE36-D0541E68BB66}"/>
+              </a:ext>
+            </a:extLst>
+          </p:cNvPr>
+          <p:cNvSpPr>
+            <a:spLocks noGrp="1"/>
+          </p:cNvSpPr>
+          <p:nvPr>
+            <p:ph idx="1"/>
+          </p:nvPr>
+        </p:nvSpPr>
+        <p:spPr/>
+        <p:txBody>
+          <a:bodyPr/>
+          <a:lstStyle/>
+          <a:p>
+            <a:r>
+              <a:rPr lang="en-US" dirty="0"/>
+              <a:t>As with PHP and JSP, Lua can be embedded into HTML pages. </a:t>
+            </a:r>
+          </a:p>
+        </p:txBody>
+      </p:sp>
+      <p:pic>
+        <p:nvPicPr>
+          <p:cNvPr id="6" name="Picture 5">
+            <a:extLst>
+              <a:ext uri="{FF2B5EF4-FFF2-40B4-BE49-F238E27FC236}">
+                <a16:creationId xmlns:a16="http://schemas.microsoft.com/office/drawing/2014/main" id="{91EFE175-9914-4739-8FDF-C5DB2651B88C}"/>
+              </a:ext>
+            </a:extLst>
+          </p:cNvPr>
+          <p:cNvPicPr>
+            <a:picLocks noChangeAspect="1"/>
+          </p:cNvPicPr>
+          <p:nvPr/>
+        </p:nvPicPr>
+        <p:blipFill>
+          <a:blip r:embed="rId2"/>
+          <a:stretch>
+            <a:fillRect/>
+          </a:stretch>
+        </p:blipFill>
+        <p:spPr>
+          <a:xfrm>
+            <a:off x="1097280" y="2697517"/>
+            <a:ext cx="5048250" cy="3238500"/>
+          </a:xfrm>
+          <a:prstGeom prst="rect">
+            <a:avLst/>
+          </a:prstGeom>
+        </p:spPr>
+      </p:pic>
+      <p:pic>
+        <p:nvPicPr>
+          <p:cNvPr id="7" name="Picture 6">
+            <a:extLst>
+              <a:ext uri="{FF2B5EF4-FFF2-40B4-BE49-F238E27FC236}">
+                <a16:creationId xmlns:a16="http://schemas.microsoft.com/office/drawing/2014/main" id="{328D79F3-54E0-4417-BD99-1D4C4C61D87D}"/>
+              </a:ext>
+            </a:extLst>
+          </p:cNvPr>
+          <p:cNvPicPr>
+            <a:picLocks noChangeAspect="1"/>
+          </p:cNvPicPr>
+          <p:nvPr/>
+        </p:nvPicPr>
+        <p:blipFill>
+          <a:blip r:embed="rId3"/>
+          <a:stretch>
+            <a:fillRect/>
+          </a:stretch>
+        </p:blipFill>
+        <p:spPr>
+          <a:xfrm>
+            <a:off x="6612255" y="2697517"/>
+            <a:ext cx="4076700" cy="2200275"/>
+          </a:xfrm>
+          <a:prstGeom prst="rect">
+            <a:avLst/>
+          </a:prstGeom>
+        </p:spPr>
+      </p:pic>
+    </p:spTree>
+    <p:extLst>
+      <p:ext uri="{BB962C8B-B14F-4D97-AF65-F5344CB8AC3E}">
+        <p14:creationId xmlns:p14="http://schemas.microsoft.com/office/powerpoint/2010/main" val="1688863761"/>
+      </p:ext>
+    </p:extLst>
+  </p:cSld>
+  <p:clrMapOvr>
+    <a:masterClrMapping/>
+  </p:clrMapOvr>
+</p:sld>
+</file>
+
+<file path=ppt/slides/slide23.xml><?xml version="1.0" encoding="utf-8"?>
+<p:sld xmlns:a="http://schemas.openxmlformats.org/drawingml/2006/main" xmlns:r="http://schemas.openxmlformats.org/officeDocument/2006/relationships" xmlns:p="http://schemas.openxmlformats.org/presentationml/2006/main">
+  <p:cSld>
+    <p:spTree>
+      <p:nvGrpSpPr>
+        <p:cNvPr id="1" name=""/>
+        <p:cNvGrpSpPr/>
+        <p:nvPr/>
+      </p:nvGrpSpPr>
+      <p:grpSpPr>
+        <a:xfrm>
+          <a:off x="0" y="0"/>
+          <a:ext cx="0" cy="0"/>
+          <a:chOff x="0" y="0"/>
+          <a:chExt cx="0" cy="0"/>
+        </a:xfrm>
+      </p:grpSpPr>
+      <p:sp>
+        <p:nvSpPr>
+          <p:cNvPr id="2" name="Title 1">
+            <a:extLst>
+              <a:ext uri="{FF2B5EF4-FFF2-40B4-BE49-F238E27FC236}">
+                <a16:creationId xmlns:a16="http://schemas.microsoft.com/office/drawing/2014/main" id="{75C42BF7-03D4-438E-87C3-FD7298F625B4}"/>
+              </a:ext>
+            </a:extLst>
+          </p:cNvPr>
+          <p:cNvSpPr>
+            <a:spLocks noGrp="1"/>
+          </p:cNvSpPr>
+          <p:nvPr>
+            <p:ph type="title"/>
+          </p:nvPr>
+        </p:nvSpPr>
+        <p:spPr/>
+        <p:txBody>
+          <a:bodyPr/>
+          <a:lstStyle/>
+          <a:p>
+            <a:pPr algn="ctr"/>
+            <a:r>
+              <a:rPr lang="en-US" dirty="0"/>
+              <a:t>Let's get started!</a:t>
+            </a:r>
+          </a:p>
+        </p:txBody>
+      </p:sp>
+      <p:pic>
+        <p:nvPicPr>
+          <p:cNvPr id="3" name="Graphic 2">
+            <a:extLst>
+              <a:ext uri="{FF2B5EF4-FFF2-40B4-BE49-F238E27FC236}">
+                <a16:creationId xmlns:a16="http://schemas.microsoft.com/office/drawing/2014/main" id="{A1EE27BF-E89C-463C-BD64-0CB3098890A9}"/>
+              </a:ext>
+            </a:extLst>
+          </p:cNvPr>
+          <p:cNvPicPr>
+            <a:picLocks noChangeAspect="1"/>
+          </p:cNvPicPr>
+          <p:nvPr/>
+        </p:nvPicPr>
+        <p:blipFill>
+          <a:blip r:embed="rId2">
+            <a:extLst>
+              <a:ext uri="{96DAC541-7B7A-43D3-8B79-37D633B846F1}">
+                <asvg:svgBlip xmlns:asvg="http://schemas.microsoft.com/office/drawing/2016/SVG/main" r:embed="rId3"/>
+              </a:ext>
+            </a:extLst>
+          </a:blip>
+          <a:stretch>
+            <a:fillRect/>
+          </a:stretch>
+        </p:blipFill>
+        <p:spPr>
+          <a:xfrm>
+            <a:off x="4716834" y="2456310"/>
+            <a:ext cx="2758331" cy="2758331"/>
+          </a:xfrm>
+          <a:prstGeom prst="rect">
+            <a:avLst/>
+          </a:prstGeom>
+        </p:spPr>
+      </p:pic>
+    </p:spTree>
+    <p:extLst>
+      <p:ext uri="{BB962C8B-B14F-4D97-AF65-F5344CB8AC3E}">
+        <p14:creationId xmlns:p14="http://schemas.microsoft.com/office/powerpoint/2010/main" val="657010161"/>
+      </p:ext>
+    </p:extLst>
+  </p:cSld>
+  <p:clrMapOvr>
+    <a:masterClrMapping/>
+  </p:clrMapOvr>
+</p:sld>
+</file>
+
+<file path=ppt/slides/slide24.xml><?xml version="1.0" encoding="utf-8"?>
+<p:sld xmlns:a="http://schemas.openxmlformats.org/drawingml/2006/main" xmlns:r="http://schemas.openxmlformats.org/officeDocument/2006/relationships" xmlns:p="http://schemas.openxmlformats.org/presentationml/2006/main">
+  <p:cSld>
+    <p:spTree>
+      <p:nvGrpSpPr>
+        <p:cNvPr id="1" name=""/>
+        <p:cNvGrpSpPr/>
+        <p:nvPr/>
+      </p:nvGrpSpPr>
+      <p:grpSpPr>
+        <a:xfrm>
+          <a:off x="0" y="0"/>
+          <a:ext cx="0" cy="0"/>
+          <a:chOff x="0" y="0"/>
+          <a:chExt cx="0" cy="0"/>
+        </a:xfrm>
+      </p:grpSpPr>
+      <p:pic>
+        <p:nvPicPr>
+          <p:cNvPr id="6" name="Picture 5" descr="A picture containing text, grass, toy, doll&#10;&#10;Description automatically generated">
+            <a:extLst>
+              <a:ext uri="{FF2B5EF4-FFF2-40B4-BE49-F238E27FC236}">
+                <a16:creationId xmlns:a16="http://schemas.microsoft.com/office/drawing/2014/main" id="{6205BBF5-B7AC-4AB1-9D58-838FBA4020F5}"/>
+              </a:ext>
+            </a:extLst>
+          </p:cNvPr>
+          <p:cNvPicPr>
+            <a:picLocks noChangeAspect="1"/>
+          </p:cNvPicPr>
+          <p:nvPr/>
+        </p:nvPicPr>
+        <p:blipFill>
+          <a:blip r:embed="rId3"/>
+          <a:stretch>
+            <a:fillRect/>
+          </a:stretch>
+        </p:blipFill>
+        <p:spPr>
+          <a:xfrm>
+            <a:off x="0" y="0"/>
+            <a:ext cx="12192000" cy="6400800"/>
+          </a:xfrm>
+          <a:prstGeom prst="rect">
+            <a:avLst/>
+          </a:prstGeom>
+        </p:spPr>
+      </p:pic>
+      <p:sp>
+        <p:nvSpPr>
+          <p:cNvPr id="10" name="Rectangle 9">
+            <a:extLst>
+              <a:ext uri="{FF2B5EF4-FFF2-40B4-BE49-F238E27FC236}">
+                <a16:creationId xmlns:a16="http://schemas.microsoft.com/office/drawing/2014/main" id="{0E6A6427-CF64-4E5F-8735-0C64F183B7E9}"/>
+              </a:ext>
+            </a:extLst>
+          </p:cNvPr>
+          <p:cNvSpPr/>
+          <p:nvPr/>
+        </p:nvSpPr>
+        <p:spPr>
+          <a:xfrm>
+            <a:off x="1692230" y="5934670"/>
+            <a:ext cx="8807540" cy="923330"/>
+          </a:xfrm>
+          <a:prstGeom prst="rect">
+            <a:avLst/>
+          </a:prstGeom>
+          <a:noFill/>
+        </p:spPr>
+        <p:txBody>
+          <a:bodyPr wrap="none" lIns="91440" tIns="45720" rIns="91440" bIns="45720">
+            <a:spAutoFit/>
+          </a:bodyPr>
+          <a:lstStyle/>
+          <a:p>
+            <a:pPr algn="ctr"/>
+            <a:r>
+              <a:rPr lang="en-US" sz="5400" b="1" dirty="0">
+                <a:ln w="6600">
+                  <a:solidFill>
+                    <a:schemeClr val="accent2"/>
+                  </a:solidFill>
+                  <a:prstDash val="solid"/>
+                </a:ln>
+                <a:solidFill>
+                  <a:srgbClr val="FFFFFF"/>
+                </a:solidFill>
+                <a:effectLst>
+                  <a:outerShdw dist="38100" dir="2700000" algn="tl" rotWithShape="0">
+                    <a:schemeClr val="accent2"/>
+                  </a:outerShdw>
+                </a:effectLst>
+              </a:rPr>
+              <a:t>https://www.roblox.com/create</a:t>
+            </a:r>
+            <a:endParaRPr lang="en-US" sz="5400" b="1" cap="none" spc="0" dirty="0">
+              <a:ln w="6600">
+                <a:solidFill>
+                  <a:schemeClr val="accent2"/>
+                </a:solidFill>
+                <a:prstDash val="solid"/>
+              </a:ln>
+              <a:solidFill>
+                <a:srgbClr val="FFFFFF"/>
+              </a:solidFill>
+              <a:effectLst>
+                <a:outerShdw dist="38100" dir="2700000" algn="tl" rotWithShape="0">
+                  <a:schemeClr val="accent2"/>
+                </a:outerShdw>
+              </a:effectLst>
+            </a:endParaRPr>
+          </a:p>
+        </p:txBody>
+      </p:sp>
+    </p:spTree>
+    <p:extLst>
+      <p:ext uri="{BB962C8B-B14F-4D97-AF65-F5344CB8AC3E}">
+        <p14:creationId xmlns:p14="http://schemas.microsoft.com/office/powerpoint/2010/main" val="2108098889"/>
+      </p:ext>
+    </p:extLst>
+  </p:cSld>
+  <p:clrMapOvr>
+    <a:masterClrMapping/>
+  </p:clrMapOvr>
+</p:sld>
+</file>
+
+<file path=ppt/slides/slide25.xml><?xml version="1.0" encoding="utf-8"?>
+<p:sld xmlns:a="http://schemas.openxmlformats.org/drawingml/2006/main" xmlns:r="http://schemas.openxmlformats.org/officeDocument/2006/relationships" xmlns:p="http://schemas.openxmlformats.org/presentationml/2006/main">
+  <p:cSld>
+    <p:spTree>
+      <p:nvGrpSpPr>
+        <p:cNvPr id="1" name=""/>
+        <p:cNvGrpSpPr/>
+        <p:nvPr/>
+      </p:nvGrpSpPr>
+      <p:grpSpPr>
+        <a:xfrm>
+          <a:off x="0" y="0"/>
+          <a:ext cx="0" cy="0"/>
+          <a:chOff x="0" y="0"/>
+          <a:chExt cx="0" cy="0"/>
+        </a:xfrm>
+      </p:grpSpPr>
+      <p:sp>
+        <p:nvSpPr>
+          <p:cNvPr id="2" name="Title 1">
+            <a:extLst>
+              <a:ext uri="{FF2B5EF4-FFF2-40B4-BE49-F238E27FC236}">
                 <a16:creationId xmlns:a16="http://schemas.microsoft.com/office/drawing/2014/main" id="{359B8CF8-73EF-4389-B2F7-B9F797E14763}"/>
               </a:ext>
             </a:extLst>
@@ -6530,7 +7634,7 @@
           <a:p>
             <a:r>
               <a:rPr lang="en-US" dirty="0"/>
-              <a:t>Research References (will move this later)</a:t>
+              <a:t>Research References</a:t>
             </a:r>
           </a:p>
         </p:txBody>
@@ -6565,18 +7669,9 @@
           <a:p>
             <a:r>
               <a:rPr lang="en-US" dirty="0">
-                <a:hlinkClick r:id="rId2"/>
+                <a:hlinkClick r:id="rId3"/>
               </a:rPr>
               <a:t>https://www.lua.org/start.html</a:t>
-            </a:r>
-            <a:endParaRPr lang="en-US" dirty="0"/>
-          </a:p>
-          <a:p>
-            <a:r>
-              <a:rPr lang="en-US" dirty="0">
-                <a:hlinkClick r:id="rId3"/>
-              </a:rPr>
-              <a:t>https://www.lua.org/pil/contents.html</a:t>
             </a:r>
             <a:endParaRPr lang="en-US" dirty="0"/>
           </a:p>
@@ -6585,7 +7680,7 @@
               <a:rPr lang="en-US" dirty="0">
                 <a:hlinkClick r:id="rId4"/>
               </a:rPr>
-              <a:t>https://www.lua.org/pil/1.html</a:t>
+              <a:t>https://www.lua.org/pil/contents.html</a:t>
             </a:r>
             <a:endParaRPr lang="en-US" dirty="0"/>
           </a:p>
@@ -6594,7 +7689,7 @@
               <a:rPr lang="en-US" dirty="0">
                 <a:hlinkClick r:id="rId5"/>
               </a:rPr>
-              <a:t>https://www.youtube.com/watch?v=iMacxZQMPXs</a:t>
+              <a:t>https://www.lua.org/pil/1.html</a:t>
             </a:r>
             <a:endParaRPr lang="en-US" dirty="0"/>
           </a:p>
@@ -6603,7 +7698,7 @@
               <a:rPr lang="en-US" dirty="0">
                 <a:hlinkClick r:id="rId6"/>
               </a:rPr>
-              <a:t>https://www.youtube.com/watch?v=XCwXWOe6VcU</a:t>
+              <a:t>https://www.youtube.com/watch?v=iMacxZQMPXs</a:t>
             </a:r>
             <a:endParaRPr lang="en-US" dirty="0"/>
           </a:p>
@@ -6612,7 +7707,7 @@
               <a:rPr lang="en-US" dirty="0">
                 <a:hlinkClick r:id="rId7"/>
               </a:rPr>
-              <a:t>https://code.labstack.com/lua</a:t>
+              <a:t>https://www.youtube.com/watch?v=XCwXWOe6VcU</a:t>
             </a:r>
             <a:endParaRPr lang="en-US" dirty="0"/>
           </a:p>
@@ -6621,7 +7716,7 @@
               <a:rPr lang="en-US" dirty="0">
                 <a:hlinkClick r:id="rId8"/>
               </a:rPr>
-              <a:t>https://riptutorial.com/lua</a:t>
+              <a:t>https://code.labstack.com/lua</a:t>
             </a:r>
             <a:endParaRPr lang="en-US" dirty="0"/>
           </a:p>
@@ -6630,7 +7725,7 @@
               <a:rPr lang="en-US" dirty="0">
                 <a:hlinkClick r:id="rId9"/>
               </a:rPr>
-              <a:t>https://compasstech.com.au/TNS_Authoring/Scripting/script_tut1.html</a:t>
+              <a:t>https://riptutorial.com/lua</a:t>
             </a:r>
             <a:endParaRPr lang="en-US" dirty="0"/>
           </a:p>
@@ -6638,6 +7733,15 @@
             <a:r>
               <a:rPr lang="en-US" dirty="0">
                 <a:hlinkClick r:id="rId10"/>
+              </a:rPr>
+              <a:t>https://compasstech.com.au/TNS_Authoring/Scripting/script_tut1.html</a:t>
+            </a:r>
+            <a:endParaRPr lang="en-US" dirty="0"/>
+          </a:p>
+          <a:p>
+            <a:r>
+              <a:rPr lang="en-US" dirty="0">
+                <a:hlinkClick r:id="rId11"/>
               </a:rPr>
               <a:t>https://keplerproject.github.io/cgilua/manual.html</a:t>
             </a:r>
@@ -6928,18 +8032,9 @@
           <a:p>
             <a:r>
               <a:rPr lang="en-US" dirty="0">
-                <a:hlinkClick r:id="rId11"/>
+                <a:hlinkClick r:id="rId12"/>
               </a:rPr>
               <a:t>https://riptutorial.com/ebook/lua</a:t>
-            </a:r>
-            <a:endParaRPr lang="en-US" dirty="0"/>
-          </a:p>
-          <a:p>
-            <a:r>
-              <a:rPr lang="en-US" dirty="0">
-                <a:hlinkClick r:id="rId12"/>
-              </a:rPr>
-              <a:t>http://luajit.org/install.html</a:t>
             </a:r>
             <a:endParaRPr lang="en-US" dirty="0"/>
           </a:p>
@@ -6948,7 +8043,7 @@
               <a:rPr lang="en-US" dirty="0">
                 <a:hlinkClick r:id="rId13"/>
               </a:rPr>
-              <a:t>http://lua-users.org/wiki/SampleCode</a:t>
+              <a:t>http://luajit.org/install.html</a:t>
             </a:r>
             <a:endParaRPr lang="en-US" dirty="0"/>
           </a:p>
@@ -6957,7 +8052,7 @@
               <a:rPr lang="en-US" dirty="0">
                 <a:hlinkClick r:id="rId14"/>
               </a:rPr>
-              <a:t>https://en.wikipedia.org/wiki/Lua_(programming_language)</a:t>
+              <a:t>http://lua-users.org/wiki/SampleCode</a:t>
             </a:r>
             <a:endParaRPr lang="en-US" dirty="0"/>
           </a:p>
@@ -6966,7 +8061,7 @@
               <a:rPr lang="en-US" dirty="0">
                 <a:hlinkClick r:id="rId15"/>
               </a:rPr>
-              <a:t>https://wowwiki-archive.fandom.com/wiki/Lua</a:t>
+              <a:t>https://en.wikipedia.org/wiki/Lua_(programming_language)</a:t>
             </a:r>
             <a:endParaRPr lang="en-US" dirty="0"/>
           </a:p>
@@ -6975,7 +8070,7 @@
               <a:rPr lang="en-US" dirty="0">
                 <a:hlinkClick r:id="rId16"/>
               </a:rPr>
-              <a:t>https://www.youtube.com/watch?v=Pvnqg8XgDfw</a:t>
+              <a:t>https://wowwiki-archive.fandom.com/wiki/Lua</a:t>
             </a:r>
             <a:endParaRPr lang="en-US" dirty="0"/>
           </a:p>
@@ -6984,7 +8079,7 @@
               <a:rPr lang="en-US" dirty="0">
                 <a:hlinkClick r:id="rId17"/>
               </a:rPr>
-              <a:t>https://devforum.roblox.com/t/lua-scripting-starter-guide/394618</a:t>
+              <a:t>https://www.youtube.com/watch?v=Pvnqg8XgDfw</a:t>
             </a:r>
             <a:endParaRPr lang="en-US" dirty="0"/>
           </a:p>
@@ -6993,7 +8088,7 @@
               <a:rPr lang="en-US" dirty="0">
                 <a:hlinkClick r:id="rId18"/>
               </a:rPr>
-              <a:t>https://chdk.fandom.com/wiki/Execute_Lua_scripts_with_hostlua_%26_notepad%2B%2B</a:t>
+              <a:t>https://devforum.roblox.com/t/lua-scripting-starter-guide/394618</a:t>
             </a:r>
             <a:endParaRPr lang="en-US" dirty="0"/>
           </a:p>
@@ -7002,11 +8097,20 @@
               <a:rPr lang="en-US" dirty="0">
                 <a:hlinkClick r:id="rId19"/>
               </a:rPr>
+              <a:t>https://chdk.fandom.com/wiki/Execute_Lua_scripts_with_hostlua_%26_notepad%2B%2B</a:t>
+            </a:r>
+            <a:endParaRPr lang="en-US" dirty="0"/>
+          </a:p>
+          <a:p>
+            <a:r>
+              <a:rPr lang="en-US" dirty="0">
+                <a:hlinkClick r:id="rId20"/>
+              </a:rPr>
               <a:t>https://developer.roblox.com/en-us</a:t>
             </a:r>
             <a:r>
               <a:rPr lang="en-US">
-                <a:hlinkClick r:id="rId19"/>
+                <a:hlinkClick r:id="rId20"/>
               </a:rPr>
               <a:t>/api-reference</a:t>
             </a:r>
@@ -7042,7 +8146,7 @@
 </p:sld>
 </file>
 
-<file path=ppt/slides/slide20.xml><?xml version="1.0" encoding="utf-8"?>
+<file path=ppt/slides/slide26.xml><?xml version="1.0" encoding="utf-8"?>
 <p:sld xmlns:a="http://schemas.openxmlformats.org/drawingml/2006/main" xmlns:r="http://schemas.openxmlformats.org/officeDocument/2006/relationships" xmlns:p="http://schemas.openxmlformats.org/presentationml/2006/main">
   <p:cSld>
     <p:spTree>
@@ -7064,509 +8168,6 @@
           <p:cNvPr id="2" name="Title 1">
             <a:extLst>
               <a:ext uri="{FF2B5EF4-FFF2-40B4-BE49-F238E27FC236}">
-                <a16:creationId xmlns:a16="http://schemas.microsoft.com/office/drawing/2014/main" id="{A423092D-2F1A-4E51-AA10-46847E0C06A8}"/>
-              </a:ext>
-            </a:extLst>
-          </p:cNvPr>
-          <p:cNvSpPr>
-            <a:spLocks noGrp="1"/>
-          </p:cNvSpPr>
-          <p:nvPr>
-            <p:ph type="title"/>
-          </p:nvPr>
-        </p:nvSpPr>
-        <p:spPr/>
-        <p:txBody>
-          <a:bodyPr/>
-          <a:lstStyle/>
-          <a:p>
-            <a:r>
-              <a:rPr lang="en-US" dirty="0"/>
-              <a:t>Coroutines (add more to this)</a:t>
-            </a:r>
-          </a:p>
-        </p:txBody>
-      </p:sp>
-      <p:sp>
-        <p:nvSpPr>
-          <p:cNvPr id="3" name="Content Placeholder 2">
-            <a:extLst>
-              <a:ext uri="{FF2B5EF4-FFF2-40B4-BE49-F238E27FC236}">
-                <a16:creationId xmlns:a16="http://schemas.microsoft.com/office/drawing/2014/main" id="{938ED2C4-9542-4BC5-8216-67BABCE25D99}"/>
-              </a:ext>
-            </a:extLst>
-          </p:cNvPr>
-          <p:cNvSpPr>
-            <a:spLocks noGrp="1"/>
-          </p:cNvSpPr>
-          <p:nvPr>
-            <p:ph idx="1"/>
-          </p:nvPr>
-        </p:nvSpPr>
-        <p:spPr/>
-        <p:txBody>
-          <a:bodyPr/>
-          <a:lstStyle/>
-          <a:p>
-            <a:endParaRPr lang="en-US"/>
-          </a:p>
-        </p:txBody>
-      </p:sp>
-    </p:spTree>
-    <p:extLst>
-      <p:ext uri="{BB962C8B-B14F-4D97-AF65-F5344CB8AC3E}">
-        <p14:creationId xmlns:p14="http://schemas.microsoft.com/office/powerpoint/2010/main" val="3093925296"/>
-      </p:ext>
-    </p:extLst>
-  </p:cSld>
-  <p:clrMapOvr>
-    <a:masterClrMapping/>
-  </p:clrMapOvr>
-</p:sld>
-</file>
-
-<file path=ppt/slides/slide21.xml><?xml version="1.0" encoding="utf-8"?>
-<p:sld xmlns:a="http://schemas.openxmlformats.org/drawingml/2006/main" xmlns:r="http://schemas.openxmlformats.org/officeDocument/2006/relationships" xmlns:p="http://schemas.openxmlformats.org/presentationml/2006/main">
-  <p:cSld>
-    <p:spTree>
-      <p:nvGrpSpPr>
-        <p:cNvPr id="1" name=""/>
-        <p:cNvGrpSpPr/>
-        <p:nvPr/>
-      </p:nvGrpSpPr>
-      <p:grpSpPr>
-        <a:xfrm>
-          <a:off x="0" y="0"/>
-          <a:ext cx="0" cy="0"/>
-          <a:chOff x="0" y="0"/>
-          <a:chExt cx="0" cy="0"/>
-        </a:xfrm>
-      </p:grpSpPr>
-      <p:sp>
-        <p:nvSpPr>
-          <p:cNvPr id="2" name="Title 1">
-            <a:extLst>
-              <a:ext uri="{FF2B5EF4-FFF2-40B4-BE49-F238E27FC236}">
-                <a16:creationId xmlns:a16="http://schemas.microsoft.com/office/drawing/2014/main" id="{9C696862-4667-47D0-BC77-7F6BF480362F}"/>
-              </a:ext>
-            </a:extLst>
-          </p:cNvPr>
-          <p:cNvSpPr>
-            <a:spLocks noGrp="1"/>
-          </p:cNvSpPr>
-          <p:nvPr>
-            <p:ph type="title"/>
-          </p:nvPr>
-        </p:nvSpPr>
-        <p:spPr/>
-        <p:txBody>
-          <a:bodyPr/>
-          <a:lstStyle/>
-          <a:p>
-            <a:r>
-              <a:rPr lang="en-US" dirty="0"/>
-              <a:t>Lua-Specific Functions (add 1-2 slides about this)</a:t>
-            </a:r>
-          </a:p>
-        </p:txBody>
-      </p:sp>
-      <p:sp>
-        <p:nvSpPr>
-          <p:cNvPr id="3" name="Content Placeholder 2">
-            <a:extLst>
-              <a:ext uri="{FF2B5EF4-FFF2-40B4-BE49-F238E27FC236}">
-                <a16:creationId xmlns:a16="http://schemas.microsoft.com/office/drawing/2014/main" id="{AA0415EE-BACA-48B4-916E-463A776E7286}"/>
-              </a:ext>
-            </a:extLst>
-          </p:cNvPr>
-          <p:cNvSpPr>
-            <a:spLocks noGrp="1"/>
-          </p:cNvSpPr>
-          <p:nvPr>
-            <p:ph idx="1"/>
-          </p:nvPr>
-        </p:nvSpPr>
-        <p:spPr/>
-        <p:txBody>
-          <a:bodyPr/>
-          <a:lstStyle/>
-          <a:p>
-            <a:endParaRPr lang="en-US"/>
-          </a:p>
-        </p:txBody>
-      </p:sp>
-    </p:spTree>
-    <p:extLst>
-      <p:ext uri="{BB962C8B-B14F-4D97-AF65-F5344CB8AC3E}">
-        <p14:creationId xmlns:p14="http://schemas.microsoft.com/office/powerpoint/2010/main" val="3683556141"/>
-      </p:ext>
-    </p:extLst>
-  </p:cSld>
-  <p:clrMapOvr>
-    <a:masterClrMapping/>
-  </p:clrMapOvr>
-</p:sld>
-</file>
-
-<file path=ppt/slides/slide22.xml><?xml version="1.0" encoding="utf-8"?>
-<p:sld xmlns:a="http://schemas.openxmlformats.org/drawingml/2006/main" xmlns:r="http://schemas.openxmlformats.org/officeDocument/2006/relationships" xmlns:p="http://schemas.openxmlformats.org/presentationml/2006/main">
-  <p:cSld>
-    <p:spTree>
-      <p:nvGrpSpPr>
-        <p:cNvPr id="1" name=""/>
-        <p:cNvGrpSpPr/>
-        <p:nvPr/>
-      </p:nvGrpSpPr>
-      <p:grpSpPr>
-        <a:xfrm>
-          <a:off x="0" y="0"/>
-          <a:ext cx="0" cy="0"/>
-          <a:chOff x="0" y="0"/>
-          <a:chExt cx="0" cy="0"/>
-        </a:xfrm>
-      </p:grpSpPr>
-      <p:sp>
-        <p:nvSpPr>
-          <p:cNvPr id="2" name="Title 1">
-            <a:extLst>
-              <a:ext uri="{FF2B5EF4-FFF2-40B4-BE49-F238E27FC236}">
-                <a16:creationId xmlns:a16="http://schemas.microsoft.com/office/drawing/2014/main" id="{1419A401-4C38-47AC-B76E-174712EA08DB}"/>
-              </a:ext>
-            </a:extLst>
-          </p:cNvPr>
-          <p:cNvSpPr>
-            <a:spLocks noGrp="1"/>
-          </p:cNvSpPr>
-          <p:nvPr>
-            <p:ph type="title"/>
-          </p:nvPr>
-        </p:nvSpPr>
-        <p:spPr/>
-        <p:txBody>
-          <a:bodyPr/>
-          <a:lstStyle/>
-          <a:p>
-            <a:r>
-              <a:rPr lang="en-US" dirty="0"/>
-              <a:t>Add Info About Lua Embedded in HTML</a:t>
-            </a:r>
-          </a:p>
-        </p:txBody>
-      </p:sp>
-      <p:pic>
-        <p:nvPicPr>
-          <p:cNvPr id="4" name="Content Placeholder 3">
-            <a:extLst>
-              <a:ext uri="{FF2B5EF4-FFF2-40B4-BE49-F238E27FC236}">
-                <a16:creationId xmlns:a16="http://schemas.microsoft.com/office/drawing/2014/main" id="{EACE2CB0-24B3-4606-8F01-87917549B35F}"/>
-              </a:ext>
-            </a:extLst>
-          </p:cNvPr>
-          <p:cNvPicPr>
-            <a:picLocks noGrp="1" noChangeAspect="1"/>
-          </p:cNvPicPr>
-          <p:nvPr>
-            <p:ph idx="1"/>
-          </p:nvPr>
-        </p:nvPicPr>
-        <p:blipFill>
-          <a:blip r:embed="rId2"/>
-          <a:stretch>
-            <a:fillRect/>
-          </a:stretch>
-        </p:blipFill>
-        <p:spPr>
-          <a:xfrm>
-            <a:off x="3716116" y="2108200"/>
-            <a:ext cx="4820093" cy="3760788"/>
-          </a:xfrm>
-          <a:prstGeom prst="rect">
-            <a:avLst/>
-          </a:prstGeom>
-        </p:spPr>
-      </p:pic>
-    </p:spTree>
-    <p:extLst>
-      <p:ext uri="{BB962C8B-B14F-4D97-AF65-F5344CB8AC3E}">
-        <p14:creationId xmlns:p14="http://schemas.microsoft.com/office/powerpoint/2010/main" val="1688863761"/>
-      </p:ext>
-    </p:extLst>
-  </p:cSld>
-  <p:clrMapOvr>
-    <a:masterClrMapping/>
-  </p:clrMapOvr>
-</p:sld>
-</file>
-
-<file path=ppt/slides/slide23.xml><?xml version="1.0" encoding="utf-8"?>
-<p:sld xmlns:a="http://schemas.openxmlformats.org/drawingml/2006/main" xmlns:r="http://schemas.openxmlformats.org/officeDocument/2006/relationships" xmlns:p="http://schemas.openxmlformats.org/presentationml/2006/main">
-  <p:cSld>
-    <p:spTree>
-      <p:nvGrpSpPr>
-        <p:cNvPr id="1" name=""/>
-        <p:cNvGrpSpPr/>
-        <p:nvPr/>
-      </p:nvGrpSpPr>
-      <p:grpSpPr>
-        <a:xfrm>
-          <a:off x="0" y="0"/>
-          <a:ext cx="0" cy="0"/>
-          <a:chOff x="0" y="0"/>
-          <a:chExt cx="0" cy="0"/>
-        </a:xfrm>
-      </p:grpSpPr>
-      <p:sp>
-        <p:nvSpPr>
-          <p:cNvPr id="2" name="Title 1">
-            <a:extLst>
-              <a:ext uri="{FF2B5EF4-FFF2-40B4-BE49-F238E27FC236}">
-                <a16:creationId xmlns:a16="http://schemas.microsoft.com/office/drawing/2014/main" id="{75C42BF7-03D4-438E-87C3-FD7298F625B4}"/>
-              </a:ext>
-            </a:extLst>
-          </p:cNvPr>
-          <p:cNvSpPr>
-            <a:spLocks noGrp="1"/>
-          </p:cNvSpPr>
-          <p:nvPr>
-            <p:ph type="title"/>
-          </p:nvPr>
-        </p:nvSpPr>
-        <p:spPr/>
-        <p:txBody>
-          <a:bodyPr/>
-          <a:lstStyle/>
-          <a:p>
-            <a:pPr algn="ctr"/>
-            <a:r>
-              <a:rPr lang="en-US" dirty="0"/>
-              <a:t>Let's get started!</a:t>
-            </a:r>
-          </a:p>
-        </p:txBody>
-      </p:sp>
-      <p:pic>
-        <p:nvPicPr>
-          <p:cNvPr id="3" name="Graphic 2">
-            <a:extLst>
-              <a:ext uri="{FF2B5EF4-FFF2-40B4-BE49-F238E27FC236}">
-                <a16:creationId xmlns:a16="http://schemas.microsoft.com/office/drawing/2014/main" id="{A1EE27BF-E89C-463C-BD64-0CB3098890A9}"/>
-              </a:ext>
-            </a:extLst>
-          </p:cNvPr>
-          <p:cNvPicPr>
-            <a:picLocks noChangeAspect="1"/>
-          </p:cNvPicPr>
-          <p:nvPr/>
-        </p:nvPicPr>
-        <p:blipFill>
-          <a:blip r:embed="rId2">
-            <a:extLst>
-              <a:ext uri="{96DAC541-7B7A-43D3-8B79-37D633B846F1}">
-                <asvg:svgBlip xmlns:asvg="http://schemas.microsoft.com/office/drawing/2016/SVG/main" r:embed="rId3"/>
-              </a:ext>
-            </a:extLst>
-          </a:blip>
-          <a:stretch>
-            <a:fillRect/>
-          </a:stretch>
-        </p:blipFill>
-        <p:spPr>
-          <a:xfrm>
-            <a:off x="4716834" y="2456310"/>
-            <a:ext cx="2758331" cy="2758331"/>
-          </a:xfrm>
-          <a:prstGeom prst="rect">
-            <a:avLst/>
-          </a:prstGeom>
-        </p:spPr>
-      </p:pic>
-    </p:spTree>
-    <p:extLst>
-      <p:ext uri="{BB962C8B-B14F-4D97-AF65-F5344CB8AC3E}">
-        <p14:creationId xmlns:p14="http://schemas.microsoft.com/office/powerpoint/2010/main" val="657010161"/>
-      </p:ext>
-    </p:extLst>
-  </p:cSld>
-  <p:clrMapOvr>
-    <a:masterClrMapping/>
-  </p:clrMapOvr>
-</p:sld>
-</file>
-
-<file path=ppt/slides/slide24.xml><?xml version="1.0" encoding="utf-8"?>
-<p:sld xmlns:a="http://schemas.openxmlformats.org/drawingml/2006/main" xmlns:r="http://schemas.openxmlformats.org/officeDocument/2006/relationships" xmlns:p="http://schemas.openxmlformats.org/presentationml/2006/main">
-  <p:cSld>
-    <p:spTree>
-      <p:nvGrpSpPr>
-        <p:cNvPr id="1" name=""/>
-        <p:cNvGrpSpPr/>
-        <p:nvPr/>
-      </p:nvGrpSpPr>
-      <p:grpSpPr>
-        <a:xfrm>
-          <a:off x="0" y="0"/>
-          <a:ext cx="0" cy="0"/>
-          <a:chOff x="0" y="0"/>
-          <a:chExt cx="0" cy="0"/>
-        </a:xfrm>
-      </p:grpSpPr>
-      <p:sp>
-        <p:nvSpPr>
-          <p:cNvPr id="2" name="Title 1">
-            <a:extLst>
-              <a:ext uri="{FF2B5EF4-FFF2-40B4-BE49-F238E27FC236}">
-                <a16:creationId xmlns:a16="http://schemas.microsoft.com/office/drawing/2014/main" id="{65A28B8E-A653-4748-9486-39A5333C936C}"/>
-              </a:ext>
-            </a:extLst>
-          </p:cNvPr>
-          <p:cNvSpPr>
-            <a:spLocks noGrp="1"/>
-          </p:cNvSpPr>
-          <p:nvPr>
-            <p:ph type="title"/>
-          </p:nvPr>
-        </p:nvSpPr>
-        <p:spPr/>
-        <p:txBody>
-          <a:bodyPr/>
-          <a:lstStyle/>
-          <a:p>
-            <a:r>
-              <a:rPr lang="en-US" dirty="0"/>
-              <a:t>-Demo Instructions Here-</a:t>
-            </a:r>
-          </a:p>
-        </p:txBody>
-      </p:sp>
-      <p:sp>
-        <p:nvSpPr>
-          <p:cNvPr id="3" name="Content Placeholder 2">
-            <a:extLst>
-              <a:ext uri="{FF2B5EF4-FFF2-40B4-BE49-F238E27FC236}">
-                <a16:creationId xmlns:a16="http://schemas.microsoft.com/office/drawing/2014/main" id="{BA054974-68DA-4BBB-B443-468666C78C70}"/>
-              </a:ext>
-            </a:extLst>
-          </p:cNvPr>
-          <p:cNvSpPr>
-            <a:spLocks noGrp="1"/>
-          </p:cNvSpPr>
-          <p:nvPr>
-            <p:ph idx="1"/>
-          </p:nvPr>
-        </p:nvSpPr>
-        <p:spPr/>
-        <p:txBody>
-          <a:bodyPr/>
-          <a:lstStyle/>
-          <a:p>
-            <a:r>
-              <a:rPr lang="en-US" dirty="0"/>
-              <a:t>Current Demo Ideas:</a:t>
-            </a:r>
-          </a:p>
-          <a:p>
-            <a:r>
-              <a:rPr lang="en-US" dirty="0"/>
-              <a:t>Basic Console Application (demonstrating features and scripting unique to Lua).</a:t>
-            </a:r>
-          </a:p>
-          <a:p>
-            <a:r>
-              <a:rPr lang="en-US" dirty="0"/>
-              <a:t>HTML or C Application using embedded Lua script.</a:t>
-            </a:r>
-          </a:p>
-          <a:p>
-            <a:r>
-              <a:rPr lang="en-US" dirty="0"/>
-              <a:t>----------------</a:t>
-            </a:r>
-          </a:p>
-          <a:p>
-            <a:r>
-              <a:rPr lang="en-US" dirty="0"/>
-              <a:t>Scripting Exercise (using a free and quick to install game or emulator).</a:t>
-            </a:r>
-          </a:p>
-          <a:p>
-            <a:r>
-              <a:rPr lang="en-US" dirty="0"/>
-              <a:t>Options: Roblox, Emulator and ROM (time permitting). </a:t>
-            </a:r>
-          </a:p>
-          <a:p>
-            <a:r>
-              <a:rPr lang="en-US" i="1" dirty="0"/>
-              <a:t>Emulators are interesting but require ROM files.</a:t>
-            </a:r>
-          </a:p>
-        </p:txBody>
-      </p:sp>
-      <p:pic>
-        <p:nvPicPr>
-          <p:cNvPr id="4" name="Picture 3">
-            <a:extLst>
-              <a:ext uri="{FF2B5EF4-FFF2-40B4-BE49-F238E27FC236}">
-                <a16:creationId xmlns:a16="http://schemas.microsoft.com/office/drawing/2014/main" id="{B375B47D-5BEB-4C92-AA49-B6A677462758}"/>
-              </a:ext>
-            </a:extLst>
-          </p:cNvPr>
-          <p:cNvPicPr>
-            <a:picLocks noChangeAspect="1"/>
-          </p:cNvPicPr>
-          <p:nvPr/>
-        </p:nvPicPr>
-        <p:blipFill>
-          <a:blip r:embed="rId2"/>
-          <a:stretch>
-            <a:fillRect/>
-          </a:stretch>
-        </p:blipFill>
-        <p:spPr>
-          <a:xfrm>
-            <a:off x="6126480" y="5520515"/>
-            <a:ext cx="5943600" cy="1162050"/>
-          </a:xfrm>
-          <a:prstGeom prst="rect">
-            <a:avLst/>
-          </a:prstGeom>
-        </p:spPr>
-      </p:pic>
-    </p:spTree>
-    <p:extLst>
-      <p:ext uri="{BB962C8B-B14F-4D97-AF65-F5344CB8AC3E}">
-        <p14:creationId xmlns:p14="http://schemas.microsoft.com/office/powerpoint/2010/main" val="89442891"/>
-      </p:ext>
-    </p:extLst>
-  </p:cSld>
-  <p:clrMapOvr>
-    <a:masterClrMapping/>
-  </p:clrMapOvr>
-</p:sld>
-</file>
-
-<file path=ppt/slides/slide25.xml><?xml version="1.0" encoding="utf-8"?>
-<p:sld xmlns:a="http://schemas.openxmlformats.org/drawingml/2006/main" xmlns:r="http://schemas.openxmlformats.org/officeDocument/2006/relationships" xmlns:p="http://schemas.openxmlformats.org/presentationml/2006/main">
-  <p:cSld>
-    <p:spTree>
-      <p:nvGrpSpPr>
-        <p:cNvPr id="1" name=""/>
-        <p:cNvGrpSpPr/>
-        <p:nvPr/>
-      </p:nvGrpSpPr>
-      <p:grpSpPr>
-        <a:xfrm>
-          <a:off x="0" y="0"/>
-          <a:ext cx="0" cy="0"/>
-          <a:chOff x="0" y="0"/>
-          <a:chExt cx="0" cy="0"/>
-        </a:xfrm>
-      </p:grpSpPr>
-      <p:sp>
-        <p:nvSpPr>
-          <p:cNvPr id="2" name="Title 1">
-            <a:extLst>
-              <a:ext uri="{FF2B5EF4-FFF2-40B4-BE49-F238E27FC236}">
                 <a16:creationId xmlns:a16="http://schemas.microsoft.com/office/drawing/2014/main" id="{C1CE202B-53AA-4C37-9994-D566F631D10D}"/>
               </a:ext>
             </a:extLst>
@@ -7733,170 +8334,6 @@
 </file>
 
 <file path=ppt/slides/slide3.xml><?xml version="1.0" encoding="utf-8"?>
-<p:sld xmlns:a="http://schemas.openxmlformats.org/drawingml/2006/main" xmlns:r="http://schemas.openxmlformats.org/officeDocument/2006/relationships" xmlns:p="http://schemas.openxmlformats.org/presentationml/2006/main">
-  <p:cSld>
-    <p:spTree>
-      <p:nvGrpSpPr>
-        <p:cNvPr id="1" name=""/>
-        <p:cNvGrpSpPr/>
-        <p:nvPr/>
-      </p:nvGrpSpPr>
-      <p:grpSpPr>
-        <a:xfrm>
-          <a:off x="0" y="0"/>
-          <a:ext cx="0" cy="0"/>
-          <a:chOff x="0" y="0"/>
-          <a:chExt cx="0" cy="0"/>
-        </a:xfrm>
-      </p:grpSpPr>
-      <p:sp>
-        <p:nvSpPr>
-          <p:cNvPr id="2" name="Title 1">
-            <a:extLst>
-              <a:ext uri="{FF2B5EF4-FFF2-40B4-BE49-F238E27FC236}">
-                <a16:creationId xmlns:a16="http://schemas.microsoft.com/office/drawing/2014/main" id="{704980AC-A9DE-46D7-AEA3-6EEF22D2E3CA}"/>
-              </a:ext>
-            </a:extLst>
-          </p:cNvPr>
-          <p:cNvSpPr>
-            <a:spLocks noGrp="1"/>
-          </p:cNvSpPr>
-          <p:nvPr>
-            <p:ph type="title"/>
-          </p:nvPr>
-        </p:nvSpPr>
-        <p:spPr/>
-        <p:txBody>
-          <a:bodyPr/>
-          <a:lstStyle/>
-          <a:p>
-            <a:r>
-              <a:rPr lang="en-US" dirty="0"/>
-              <a:t>What is Lua?</a:t>
-            </a:r>
-          </a:p>
-        </p:txBody>
-      </p:sp>
-      <p:sp>
-        <p:nvSpPr>
-          <p:cNvPr id="3" name="Content Placeholder 2">
-            <a:extLst>
-              <a:ext uri="{FF2B5EF4-FFF2-40B4-BE49-F238E27FC236}">
-                <a16:creationId xmlns:a16="http://schemas.microsoft.com/office/drawing/2014/main" id="{46EB9CD4-F6D0-4345-8B5F-D6A5FE891D8D}"/>
-              </a:ext>
-            </a:extLst>
-          </p:cNvPr>
-          <p:cNvSpPr>
-            <a:spLocks noGrp="1"/>
-          </p:cNvSpPr>
-          <p:nvPr>
-            <p:ph idx="1"/>
-          </p:nvPr>
-        </p:nvSpPr>
-        <p:spPr/>
-        <p:txBody>
-          <a:bodyPr/>
-          <a:lstStyle/>
-          <a:p>
-            <a:r>
-              <a:rPr lang="en-US" dirty="0"/>
-              <a:t>Lua is a powerful, efficient, lightweight, embeddable scripting language. </a:t>
-            </a:r>
-          </a:p>
-          <a:p>
-            <a:r>
-              <a:rPr lang="en-US" dirty="0"/>
-              <a:t>Lua is compiled and written in ANSI C (Standard C) and uses a simple C API to embed itself into applications. This allows it to support cross-platform usage, although Lua programs are usually developed on Linux operating systems.</a:t>
-            </a:r>
-          </a:p>
-          <a:p>
-            <a:r>
-              <a:rPr lang="en-US" dirty="0"/>
-              <a:t>It supports procedural programming, object-oriented programming, functional programming, data-driven programming, and data description.</a:t>
-            </a:r>
-          </a:p>
-        </p:txBody>
-      </p:sp>
-      <p:pic>
-        <p:nvPicPr>
-          <p:cNvPr id="6" name="Graphic 5">
-            <a:extLst>
-              <a:ext uri="{FF2B5EF4-FFF2-40B4-BE49-F238E27FC236}">
-                <a16:creationId xmlns:a16="http://schemas.microsoft.com/office/drawing/2014/main" id="{99324290-8606-4F2C-86C6-C4584E886DBB}"/>
-              </a:ext>
-            </a:extLst>
-          </p:cNvPr>
-          <p:cNvPicPr>
-            <a:picLocks noChangeAspect="1"/>
-          </p:cNvPicPr>
-          <p:nvPr/>
-        </p:nvPicPr>
-        <p:blipFill>
-          <a:blip r:embed="rId3">
-            <a:extLst>
-              <a:ext uri="{96DAC541-7B7A-43D3-8B79-37D633B846F1}">
-                <asvg:svgBlip xmlns:asvg="http://schemas.microsoft.com/office/drawing/2016/SVG/main" r:embed="rId4"/>
-              </a:ext>
-            </a:extLst>
-          </a:blip>
-          <a:stretch>
-            <a:fillRect/>
-          </a:stretch>
-        </p:blipFill>
-        <p:spPr>
-          <a:xfrm>
-            <a:off x="8293742" y="4419005"/>
-            <a:ext cx="1559835" cy="1559835"/>
-          </a:xfrm>
-          <a:prstGeom prst="rect">
-            <a:avLst/>
-          </a:prstGeom>
-        </p:spPr>
-      </p:pic>
-      <p:pic>
-        <p:nvPicPr>
-          <p:cNvPr id="8" name="Picture 7" descr="Icon&#10;&#10;Description automatically generated">
-            <a:extLst>
-              <a:ext uri="{FF2B5EF4-FFF2-40B4-BE49-F238E27FC236}">
-                <a16:creationId xmlns:a16="http://schemas.microsoft.com/office/drawing/2014/main" id="{09F161C1-5481-43CF-8665-1E7B94F64A89}"/>
-              </a:ext>
-            </a:extLst>
-          </p:cNvPr>
-          <p:cNvPicPr>
-            <a:picLocks noChangeAspect="1"/>
-          </p:cNvPicPr>
-          <p:nvPr/>
-        </p:nvPicPr>
-        <p:blipFill>
-          <a:blip r:embed="rId5"/>
-          <a:stretch>
-            <a:fillRect/>
-          </a:stretch>
-        </p:blipFill>
-        <p:spPr>
-          <a:xfrm>
-            <a:off x="9913019" y="4157913"/>
-            <a:ext cx="2082020" cy="2082020"/>
-          </a:xfrm>
-          <a:prstGeom prst="rect">
-            <a:avLst/>
-          </a:prstGeom>
-        </p:spPr>
-      </p:pic>
-    </p:spTree>
-    <p:extLst>
-      <p:ext uri="{BB962C8B-B14F-4D97-AF65-F5344CB8AC3E}">
-        <p14:creationId xmlns:p14="http://schemas.microsoft.com/office/powerpoint/2010/main" val="3966868082"/>
-      </p:ext>
-    </p:extLst>
-  </p:cSld>
-  <p:clrMapOvr>
-    <a:masterClrMapping/>
-  </p:clrMapOvr>
-</p:sld>
-</file>
-
-<file path=ppt/slides/slide4.xml><?xml version="1.0" encoding="utf-8"?>
 <p:sld xmlns:a="http://schemas.openxmlformats.org/drawingml/2006/main" xmlns:r="http://schemas.openxmlformats.org/officeDocument/2006/relationships" xmlns:p="http://schemas.openxmlformats.org/presentationml/2006/main">
   <p:cSld>
     <p:spTree>
@@ -8018,6 +8455,122 @@
 </p:sld>
 </file>
 
+<file path=ppt/slides/slide4.xml><?xml version="1.0" encoding="utf-8"?>
+<p:sld xmlns:a="http://schemas.openxmlformats.org/drawingml/2006/main" xmlns:r="http://schemas.openxmlformats.org/officeDocument/2006/relationships" xmlns:p="http://schemas.openxmlformats.org/presentationml/2006/main">
+  <p:cSld>
+    <p:spTree>
+      <p:nvGrpSpPr>
+        <p:cNvPr id="1" name=""/>
+        <p:cNvGrpSpPr/>
+        <p:nvPr/>
+      </p:nvGrpSpPr>
+      <p:grpSpPr>
+        <a:xfrm>
+          <a:off x="0" y="0"/>
+          <a:ext cx="0" cy="0"/>
+          <a:chOff x="0" y="0"/>
+          <a:chExt cx="0" cy="0"/>
+        </a:xfrm>
+      </p:grpSpPr>
+      <p:sp>
+        <p:nvSpPr>
+          <p:cNvPr id="2" name="Title 1">
+            <a:extLst>
+              <a:ext uri="{FF2B5EF4-FFF2-40B4-BE49-F238E27FC236}">
+                <a16:creationId xmlns:a16="http://schemas.microsoft.com/office/drawing/2014/main" id="{29884744-E42E-45F1-B8C8-41DB60DE15D5}"/>
+              </a:ext>
+            </a:extLst>
+          </p:cNvPr>
+          <p:cNvSpPr>
+            <a:spLocks noGrp="1"/>
+          </p:cNvSpPr>
+          <p:nvPr>
+            <p:ph type="title"/>
+          </p:nvPr>
+        </p:nvSpPr>
+        <p:spPr/>
+        <p:txBody>
+          <a:bodyPr/>
+          <a:lstStyle/>
+          <a:p>
+            <a:r>
+              <a:rPr lang="en-US" dirty="0"/>
+              <a:t>How Does Lua Work?</a:t>
+            </a:r>
+          </a:p>
+        </p:txBody>
+      </p:sp>
+      <p:sp>
+        <p:nvSpPr>
+          <p:cNvPr id="3" name="Content Placeholder 2">
+            <a:extLst>
+              <a:ext uri="{FF2B5EF4-FFF2-40B4-BE49-F238E27FC236}">
+                <a16:creationId xmlns:a16="http://schemas.microsoft.com/office/drawing/2014/main" id="{C58F914A-12DF-4B5D-BDEF-F5096502E5B9}"/>
+              </a:ext>
+            </a:extLst>
+          </p:cNvPr>
+          <p:cNvSpPr>
+            <a:spLocks noGrp="1"/>
+          </p:cNvSpPr>
+          <p:nvPr>
+            <p:ph idx="1"/>
+          </p:nvPr>
+        </p:nvSpPr>
+        <p:spPr/>
+        <p:txBody>
+          <a:bodyPr/>
+          <a:lstStyle/>
+          <a:p>
+            <a:r>
+              <a:rPr lang="en-US" dirty="0"/>
+              <a:t>Lua combines simple procedural syntax with powerful data description constructs. It is a dynamically typed language (variable types are checked during runtime). </a:t>
+            </a:r>
+          </a:p>
+          <a:p>
+            <a:r>
+              <a:rPr lang="en-US" dirty="0"/>
+              <a:t>Lua runs by interpreting bytecode with a register-based virtual machine. It has automatic memory management with incremental garbage collection.</a:t>
+            </a:r>
+          </a:p>
+          <a:p>
+            <a:r>
+              <a:rPr lang="en-US" dirty="0"/>
+              <a:t>Lua was created with speed, portability, extensibility, and ease-of-use in mind. </a:t>
+            </a:r>
+          </a:p>
+          <a:p>
+            <a:r>
+              <a:rPr lang="en-US" dirty="0"/>
+              <a:t>This makes Lua ideal for configuration, scripting, and rapid prototyping.</a:t>
+            </a:r>
+          </a:p>
+          <a:p>
+            <a:pPr marL="0" indent="0">
+              <a:buNone/>
+            </a:pPr>
+            <a:r>
+              <a:rPr lang="en-US" dirty="0"/>
+              <a:t>	</a:t>
+            </a:r>
+          </a:p>
+          <a:p>
+            <a:endParaRPr lang="en-US" dirty="0"/>
+          </a:p>
+        </p:txBody>
+      </p:sp>
+    </p:spTree>
+    <p:extLst>
+      <p:ext uri="{BB962C8B-B14F-4D97-AF65-F5344CB8AC3E}">
+        <p14:creationId xmlns:p14="http://schemas.microsoft.com/office/powerpoint/2010/main" val="3808724566"/>
+      </p:ext>
+    </p:extLst>
+  </p:cSld>
+  <p:clrMapOvr>
+    <a:masterClrMapping/>
+  </p:clrMapOvr>
+</p:sld>
+</file>
+
 <file path=ppt/slides/slide5.xml><?xml version="1.0" encoding="utf-8"?>
 <p:sld xmlns:a="http://schemas.openxmlformats.org/drawingml/2006/main" xmlns:r="http://schemas.openxmlformats.org/officeDocument/2006/relationships" xmlns:p="http://schemas.openxmlformats.org/presentationml/2006/main">
   <p:cSld>
@@ -8040,7 +8593,7 @@
           <p:cNvPr id="2" name="Title 1">
             <a:extLst>
               <a:ext uri="{FF2B5EF4-FFF2-40B4-BE49-F238E27FC236}">
-                <a16:creationId xmlns:a16="http://schemas.microsoft.com/office/drawing/2014/main" id="{29884744-E42E-45F1-B8C8-41DB60DE15D5}"/>
+                <a16:creationId xmlns:a16="http://schemas.microsoft.com/office/drawing/2014/main" id="{9E4A30AA-CD30-423D-AD6C-B8E0C13AFB45}"/>
               </a:ext>
             </a:extLst>
           </p:cNvPr>
@@ -8058,7 +8611,7 @@
           <a:p>
             <a:r>
               <a:rPr lang="en-US" dirty="0"/>
-              <a:t>How Does Lua Work?</a:t>
+              <a:t>Popular Software Made With Lua</a:t>
             </a:r>
           </a:p>
         </p:txBody>
@@ -8068,7 +8621,7 @@
           <p:cNvPr id="3" name="Content Placeholder 2">
             <a:extLst>
               <a:ext uri="{FF2B5EF4-FFF2-40B4-BE49-F238E27FC236}">
-                <a16:creationId xmlns:a16="http://schemas.microsoft.com/office/drawing/2014/main" id="{C58F914A-12DF-4B5D-BDEF-F5096502E5B9}"/>
+                <a16:creationId xmlns:a16="http://schemas.microsoft.com/office/drawing/2014/main" id="{2D795EF0-7028-4E80-A650-9F8E0E4E442D}"/>
               </a:ext>
             </a:extLst>
           </p:cNvPr>
@@ -8086,37 +8639,31 @@
           <a:p>
             <a:r>
               <a:rPr lang="en-US" dirty="0"/>
-              <a:t>Lua combines simple procedural syntax with powerful data description constructs. It is a dynamically typed language (variable types are checked during runtime). </a:t>
+              <a:t>Lua has been used in many industrial applications: </a:t>
             </a:r>
           </a:p>
           <a:p>
             <a:r>
               <a:rPr lang="en-US" dirty="0"/>
-              <a:t>Lua runs by interpreting bytecode with a register-based virtual machine. It has automatic memory management with incremental garbage collection.</a:t>
+              <a:t>Adobe Photoshop Lightroom, Apache HTTP Server, MySQL Workbench, Vim etc.</a:t>
             </a:r>
           </a:p>
           <a:p>
             <a:r>
               <a:rPr lang="en-US" dirty="0"/>
-              <a:t>Lua was created with speed, portability, extensibility, and ease-of-use in mind. </a:t>
+              <a:t>Lua is very popular in the video game community, often seen as one of the most popular scripting languages. A few games that are made in/use Lua scripting are:</a:t>
             </a:r>
           </a:p>
           <a:p>
             <a:r>
               <a:rPr lang="en-US" dirty="0"/>
-              <a:t>This makes Lua ideal for configuration, scripting, and rapid prototyping.</a:t>
+              <a:t>World of Warcraft, Angry Birds, Roblox, Garry’s Mod, Warframe, Dota 2, Factorio, etc. </a:t>
             </a:r>
           </a:p>
           <a:p>
             <a:pPr marL="0" indent="0">
               <a:buNone/>
             </a:pPr>
-            <a:r>
-              <a:rPr lang="en-US" dirty="0"/>
-              <a:t>	</a:t>
-            </a:r>
-          </a:p>
-          <a:p>
             <a:endParaRPr lang="en-US" dirty="0"/>
           </a:p>
         </p:txBody>
@@ -8124,7 +8671,7 @@
     </p:spTree>
     <p:extLst>
       <p:ext uri="{BB962C8B-B14F-4D97-AF65-F5344CB8AC3E}">
-        <p14:creationId xmlns:p14="http://schemas.microsoft.com/office/powerpoint/2010/main" val="3808724566"/>
+        <p14:creationId xmlns:p14="http://schemas.microsoft.com/office/powerpoint/2010/main" val="2452793866"/>
       </p:ext>
     </p:extLst>
   </p:cSld>
@@ -8156,7 +8703,7 @@
           <p:cNvPr id="2" name="Title 1">
             <a:extLst>
               <a:ext uri="{FF2B5EF4-FFF2-40B4-BE49-F238E27FC236}">
-                <a16:creationId xmlns:a16="http://schemas.microsoft.com/office/drawing/2014/main" id="{9E4A30AA-CD30-423D-AD6C-B8E0C13AFB45}"/>
+                <a16:creationId xmlns:a16="http://schemas.microsoft.com/office/drawing/2014/main" id="{C45AFAB0-67AB-4633-A20B-311F570306CB}"/>
               </a:ext>
             </a:extLst>
           </p:cNvPr>
@@ -8174,67 +8721,146 @@
           <a:p>
             <a:r>
               <a:rPr lang="en-US" dirty="0"/>
-              <a:t>Popular Software Made With Lua</a:t>
-            </a:r>
-          </a:p>
-        </p:txBody>
-      </p:sp>
-      <p:sp>
-        <p:nvSpPr>
-          <p:cNvPr id="3" name="Content Placeholder 2">
-            <a:extLst>
-              <a:ext uri="{FF2B5EF4-FFF2-40B4-BE49-F238E27FC236}">
-                <a16:creationId xmlns:a16="http://schemas.microsoft.com/office/drawing/2014/main" id="{2D795EF0-7028-4E80-A650-9F8E0E4E442D}"/>
-              </a:ext>
-            </a:extLst>
-          </p:cNvPr>
-          <p:cNvSpPr>
-            <a:spLocks noGrp="1"/>
-          </p:cNvSpPr>
+              <a:t>Some Examples of Lua Scripting</a:t>
+            </a:r>
+          </a:p>
+        </p:txBody>
+      </p:sp>
+      <p:pic>
+        <p:nvPicPr>
+          <p:cNvPr id="5" name="Content Placeholder 4" descr="A picture containing text&#10;&#10;Description automatically generated">
+            <a:extLst>
+              <a:ext uri="{FF2B5EF4-FFF2-40B4-BE49-F238E27FC236}">
+                <a16:creationId xmlns:a16="http://schemas.microsoft.com/office/drawing/2014/main" id="{6D4BD9C0-E1DD-415D-AF41-8D3F90B1330E}"/>
+              </a:ext>
+            </a:extLst>
+          </p:cNvPr>
+          <p:cNvPicPr>
+            <a:picLocks noGrp="1" noChangeAspect="1"/>
+          </p:cNvPicPr>
           <p:nvPr>
             <p:ph idx="1"/>
           </p:nvPr>
-        </p:nvSpPr>
-        <p:spPr/>
-        <p:txBody>
-          <a:bodyPr/>
-          <a:lstStyle/>
-          <a:p>
+        </p:nvPicPr>
+        <p:blipFill>
+          <a:blip r:embed="rId2"/>
+          <a:stretch>
+            <a:fillRect/>
+          </a:stretch>
+        </p:blipFill>
+        <p:spPr>
+          <a:xfrm>
+            <a:off x="5563164" y="2494754"/>
+            <a:ext cx="5876166" cy="3302763"/>
+          </a:xfrm>
+        </p:spPr>
+      </p:pic>
+      <p:pic>
+        <p:nvPicPr>
+          <p:cNvPr id="7" name="Picture 6" descr="Text&#10;&#10;Description automatically generated">
+            <a:extLst>
+              <a:ext uri="{FF2B5EF4-FFF2-40B4-BE49-F238E27FC236}">
+                <a16:creationId xmlns:a16="http://schemas.microsoft.com/office/drawing/2014/main" id="{95B9275A-96CE-4D0B-8D3B-D4F908947918}"/>
+              </a:ext>
+            </a:extLst>
+          </p:cNvPr>
+          <p:cNvPicPr>
+            <a:picLocks noChangeAspect="1"/>
+          </p:cNvPicPr>
+          <p:nvPr/>
+        </p:nvPicPr>
+        <p:blipFill>
+          <a:blip r:embed="rId3"/>
+          <a:stretch>
+            <a:fillRect/>
+          </a:stretch>
+        </p:blipFill>
+        <p:spPr>
+          <a:xfrm>
+            <a:off x="1127589" y="2500605"/>
+            <a:ext cx="4113106" cy="3296912"/>
+          </a:xfrm>
+          <a:prstGeom prst="rect">
+            <a:avLst/>
+          </a:prstGeom>
+        </p:spPr>
+      </p:pic>
+      <p:sp>
+        <p:nvSpPr>
+          <p:cNvPr id="8" name="TextBox 7">
+            <a:extLst>
+              <a:ext uri="{FF2B5EF4-FFF2-40B4-BE49-F238E27FC236}">
+                <a16:creationId xmlns:a16="http://schemas.microsoft.com/office/drawing/2014/main" id="{E6F02D8B-34FA-41BB-A9C8-35E1378023FF}"/>
+              </a:ext>
+            </a:extLst>
+          </p:cNvPr>
+          <p:cNvSpPr txBox="1"/>
+          <p:nvPr/>
+        </p:nvSpPr>
+        <p:spPr>
+          <a:xfrm>
+            <a:off x="1127589" y="2136710"/>
+            <a:ext cx="4113106" cy="369332"/>
+          </a:xfrm>
+          <a:prstGeom prst="rect">
+            <a:avLst/>
+          </a:prstGeom>
+          <a:noFill/>
+        </p:spPr>
+        <p:txBody>
+          <a:bodyPr wrap="square" rtlCol="0">
+            <a:spAutoFit/>
+          </a:bodyPr>
+          <a:lstStyle/>
+          <a:p>
+            <a:pPr algn="ctr"/>
             <a:r>
               <a:rPr lang="en-US" dirty="0"/>
-              <a:t>Lua has been used in many industrial applications: </a:t>
-            </a:r>
-          </a:p>
-          <a:p>
+              <a:t>World of Warcraft</a:t>
+            </a:r>
+          </a:p>
+        </p:txBody>
+      </p:sp>
+      <p:sp>
+        <p:nvSpPr>
+          <p:cNvPr id="9" name="TextBox 8">
+            <a:extLst>
+              <a:ext uri="{FF2B5EF4-FFF2-40B4-BE49-F238E27FC236}">
+                <a16:creationId xmlns:a16="http://schemas.microsoft.com/office/drawing/2014/main" id="{8290B290-BC62-427B-8893-19B4D506B096}"/>
+              </a:ext>
+            </a:extLst>
+          </p:cNvPr>
+          <p:cNvSpPr txBox="1"/>
+          <p:nvPr/>
+        </p:nvSpPr>
+        <p:spPr>
+          <a:xfrm>
+            <a:off x="6444694" y="2097430"/>
+            <a:ext cx="4113106" cy="369332"/>
+          </a:xfrm>
+          <a:prstGeom prst="rect">
+            <a:avLst/>
+          </a:prstGeom>
+          <a:noFill/>
+        </p:spPr>
+        <p:txBody>
+          <a:bodyPr wrap="square" rtlCol="0">
+            <a:spAutoFit/>
+          </a:bodyPr>
+          <a:lstStyle/>
+          <a:p>
+            <a:pPr algn="ctr"/>
             <a:r>
               <a:rPr lang="en-US" dirty="0"/>
-              <a:t>Adobe Photoshop Lightroom, Apache HTTP Server, MySQL Workbench, Vim etc.</a:t>
-            </a:r>
-          </a:p>
-          <a:p>
-            <a:r>
-              <a:rPr lang="en-US" dirty="0"/>
-              <a:t>Lua is very popular in the video game community, often seen as one of the most popular scripting languages. A few games that are made in/use Lua scripting are:</a:t>
-            </a:r>
-          </a:p>
-          <a:p>
-            <a:r>
-              <a:rPr lang="en-US" dirty="0"/>
-              <a:t>World of Warcraft, Angry Birds, Roblox, Garry’s Mod, Warframe, Dota 2, Factorio, etc. </a:t>
-            </a:r>
-          </a:p>
-          <a:p>
-            <a:pPr marL="0" indent="0">
-              <a:buNone/>
-            </a:pPr>
-            <a:endParaRPr lang="en-US" dirty="0"/>
+              <a:t>Minecraft (ComputerCraft)</a:t>
+            </a:r>
           </a:p>
         </p:txBody>
       </p:sp>
     </p:spTree>
     <p:extLst>
       <p:ext uri="{BB962C8B-B14F-4D97-AF65-F5344CB8AC3E}">
-        <p14:creationId xmlns:p14="http://schemas.microsoft.com/office/powerpoint/2010/main" val="2452793866"/>
+        <p14:creationId xmlns:p14="http://schemas.microsoft.com/office/powerpoint/2010/main" val="2594032565"/>
       </p:ext>
     </p:extLst>
   </p:cSld>
@@ -8266,7 +8892,7 @@
           <p:cNvPr id="2" name="Title 1">
             <a:extLst>
               <a:ext uri="{FF2B5EF4-FFF2-40B4-BE49-F238E27FC236}">
-                <a16:creationId xmlns:a16="http://schemas.microsoft.com/office/drawing/2014/main" id="{C45AFAB0-67AB-4633-A20B-311F570306CB}"/>
+                <a16:creationId xmlns:a16="http://schemas.microsoft.com/office/drawing/2014/main" id="{10CE2103-811F-4085-BDCC-E61A6C30C9A7}"/>
               </a:ext>
             </a:extLst>
           </p:cNvPr>
@@ -8284,17 +8910,17 @@
           <a:p>
             <a:r>
               <a:rPr lang="en-US" dirty="0"/>
-              <a:t>Some Examples of Lua Scripting</a:t>
+              <a:t>Scripting Examples Continued</a:t>
             </a:r>
           </a:p>
         </p:txBody>
       </p:sp>
       <p:pic>
         <p:nvPicPr>
-          <p:cNvPr id="5" name="Content Placeholder 4" descr="A picture containing text&#10;&#10;Description automatically generated">
-            <a:extLst>
-              <a:ext uri="{FF2B5EF4-FFF2-40B4-BE49-F238E27FC236}">
-                <a16:creationId xmlns:a16="http://schemas.microsoft.com/office/drawing/2014/main" id="{6D4BD9C0-E1DD-415D-AF41-8D3F90B1330E}"/>
+          <p:cNvPr id="5" name="Content Placeholder 4" descr="Graphical user interface, text&#10;&#10;Description automatically generated">
+            <a:extLst>
+              <a:ext uri="{FF2B5EF4-FFF2-40B4-BE49-F238E27FC236}">
+                <a16:creationId xmlns:a16="http://schemas.microsoft.com/office/drawing/2014/main" id="{72E15450-39E5-4E19-9833-A61E9F50186D}"/>
               </a:ext>
             </a:extLst>
           </p:cNvPr>
@@ -8313,17 +8939,17 @@
         </p:blipFill>
         <p:spPr>
           <a:xfrm>
-            <a:off x="5563164" y="2494754"/>
-            <a:ext cx="5876166" cy="3302763"/>
+            <a:off x="1097280" y="2519265"/>
+            <a:ext cx="5052472" cy="3099862"/>
           </a:xfrm>
         </p:spPr>
       </p:pic>
       <p:pic>
         <p:nvPicPr>
-          <p:cNvPr id="7" name="Picture 6" descr="Text&#10;&#10;Description automatically generated">
-            <a:extLst>
-              <a:ext uri="{FF2B5EF4-FFF2-40B4-BE49-F238E27FC236}">
-                <a16:creationId xmlns:a16="http://schemas.microsoft.com/office/drawing/2014/main" id="{95B9275A-96CE-4D0B-8D3B-D4F908947918}"/>
+          <p:cNvPr id="7" name="Picture 6" descr="A picture containing text, electronics, screenshot&#10;&#10;Description automatically generated">
+            <a:extLst>
+              <a:ext uri="{FF2B5EF4-FFF2-40B4-BE49-F238E27FC236}">
+                <a16:creationId xmlns:a16="http://schemas.microsoft.com/office/drawing/2014/main" id="{2F61266B-9959-412C-95A1-970977173BCF}"/>
               </a:ext>
             </a:extLst>
           </p:cNvPr>
@@ -8340,8 +8966,8 @@
         </p:blipFill>
         <p:spPr>
           <a:xfrm>
-            <a:off x="1127589" y="2500605"/>
-            <a:ext cx="4113106" cy="3296912"/>
+            <a:off x="6354147" y="2682639"/>
+            <a:ext cx="5369712" cy="3020463"/>
           </a:xfrm>
           <a:prstGeom prst="rect">
             <a:avLst/>
@@ -8353,7 +8979,7 @@
           <p:cNvPr id="8" name="TextBox 7">
             <a:extLst>
               <a:ext uri="{FF2B5EF4-FFF2-40B4-BE49-F238E27FC236}">
-                <a16:creationId xmlns:a16="http://schemas.microsoft.com/office/drawing/2014/main" id="{E6F02D8B-34FA-41BB-A9C8-35E1378023FF}"/>
+                <a16:creationId xmlns:a16="http://schemas.microsoft.com/office/drawing/2014/main" id="{CCEFBCE7-117C-4958-8071-C9550003B5D3}"/>
               </a:ext>
             </a:extLst>
           </p:cNvPr>
@@ -8362,7 +8988,7 @@
         </p:nvSpPr>
         <p:spPr>
           <a:xfrm>
-            <a:off x="1127589" y="2136710"/>
+            <a:off x="1470504" y="2025333"/>
             <a:ext cx="4113106" cy="369332"/>
           </a:xfrm>
           <a:prstGeom prst="rect">
@@ -8379,7 +9005,7 @@
             <a:pPr algn="ctr"/>
             <a:r>
               <a:rPr lang="en-US" dirty="0"/>
-              <a:t>World of Warcraft</a:t>
+              <a:t>Roblox</a:t>
             </a:r>
           </a:p>
         </p:txBody>
@@ -8389,7 +9015,7 @@
           <p:cNvPr id="9" name="TextBox 8">
             <a:extLst>
               <a:ext uri="{FF2B5EF4-FFF2-40B4-BE49-F238E27FC236}">
-                <a16:creationId xmlns:a16="http://schemas.microsoft.com/office/drawing/2014/main" id="{8290B290-BC62-427B-8893-19B4D506B096}"/>
+                <a16:creationId xmlns:a16="http://schemas.microsoft.com/office/drawing/2014/main" id="{E67ABF4C-C505-45FF-91A6-1D4DF5028681}"/>
               </a:ext>
             </a:extLst>
           </p:cNvPr>
@@ -8398,7 +9024,7 @@
         </p:nvSpPr>
         <p:spPr>
           <a:xfrm>
-            <a:off x="6444694" y="2097430"/>
+            <a:off x="7333239" y="2025333"/>
             <a:ext cx="4113106" cy="369332"/>
           </a:xfrm>
           <a:prstGeom prst="rect">
@@ -8415,7 +9041,7 @@
             <a:pPr algn="ctr"/>
             <a:r>
               <a:rPr lang="en-US" dirty="0"/>
-              <a:t>Minecraft (ComputerCraft)</a:t>
+              <a:t>Emulators</a:t>
             </a:r>
           </a:p>
         </p:txBody>
@@ -8423,7 +9049,7 @@
     </p:spTree>
     <p:extLst>
       <p:ext uri="{BB962C8B-B14F-4D97-AF65-F5344CB8AC3E}">
-        <p14:creationId xmlns:p14="http://schemas.microsoft.com/office/powerpoint/2010/main" val="2594032565"/>
+        <p14:creationId xmlns:p14="http://schemas.microsoft.com/office/powerpoint/2010/main" val="3848626012"/>
       </p:ext>
     </p:extLst>
   </p:cSld>
@@ -8455,7 +9081,7 @@
           <p:cNvPr id="2" name="Title 1">
             <a:extLst>
               <a:ext uri="{FF2B5EF4-FFF2-40B4-BE49-F238E27FC236}">
-                <a16:creationId xmlns:a16="http://schemas.microsoft.com/office/drawing/2014/main" id="{10CE2103-811F-4085-BDCC-E61A6C30C9A7}"/>
+                <a16:creationId xmlns:a16="http://schemas.microsoft.com/office/drawing/2014/main" id="{B8389EC0-9777-4A0A-8449-1F1A3EFE535E}"/>
               </a:ext>
             </a:extLst>
           </p:cNvPr>
@@ -8473,46 +9099,57 @@
           <a:p>
             <a:r>
               <a:rPr lang="en-US" dirty="0"/>
-              <a:t>Scripting Examples Continued</a:t>
-            </a:r>
+              <a:t>Getting Started With Lua - Basics</a:t>
+            </a:r>
+          </a:p>
+        </p:txBody>
+      </p:sp>
+      <p:sp>
+        <p:nvSpPr>
+          <p:cNvPr id="3" name="Content Placeholder 2">
+            <a:extLst>
+              <a:ext uri="{FF2B5EF4-FFF2-40B4-BE49-F238E27FC236}">
+                <a16:creationId xmlns:a16="http://schemas.microsoft.com/office/drawing/2014/main" id="{0136AA74-C900-41E6-95D8-66881DF421A4}"/>
+              </a:ext>
+            </a:extLst>
+          </p:cNvPr>
+          <p:cNvSpPr>
+            <a:spLocks noGrp="1"/>
+          </p:cNvSpPr>
+          <p:nvPr>
+            <p:ph idx="1"/>
+          </p:nvPr>
+        </p:nvSpPr>
+        <p:spPr/>
+        <p:txBody>
+          <a:bodyPr/>
+          <a:lstStyle/>
+          <a:p>
+            <a:r>
+              <a:rPr lang="en-US" dirty="0"/>
+              <a:t>As per tradition, we will start off with a simple “Hello World” message</a:t>
+            </a:r>
+          </a:p>
+          <a:p>
+            <a:endParaRPr lang="en-US" dirty="0"/>
+          </a:p>
+          <a:p>
+            <a:endParaRPr lang="en-US" dirty="0"/>
+          </a:p>
+          <a:p>
+            <a:endParaRPr lang="en-US" dirty="0"/>
+          </a:p>
+          <a:p>
+            <a:endParaRPr lang="en-US" dirty="0"/>
           </a:p>
         </p:txBody>
       </p:sp>
       <p:pic>
         <p:nvPicPr>
-          <p:cNvPr id="5" name="Content Placeholder 4" descr="Graphical user interface, text&#10;&#10;Description automatically generated">
-            <a:extLst>
-              <a:ext uri="{FF2B5EF4-FFF2-40B4-BE49-F238E27FC236}">
-                <a16:creationId xmlns:a16="http://schemas.microsoft.com/office/drawing/2014/main" id="{72E15450-39E5-4E19-9833-A61E9F50186D}"/>
-              </a:ext>
-            </a:extLst>
-          </p:cNvPr>
-          <p:cNvPicPr>
-            <a:picLocks noGrp="1" noChangeAspect="1"/>
-          </p:cNvPicPr>
-          <p:nvPr>
-            <p:ph idx="1"/>
-          </p:nvPr>
-        </p:nvPicPr>
-        <p:blipFill>
-          <a:blip r:embed="rId2"/>
-          <a:stretch>
-            <a:fillRect/>
-          </a:stretch>
-        </p:blipFill>
-        <p:spPr>
-          <a:xfrm>
-            <a:off x="1097280" y="2519265"/>
-            <a:ext cx="5052472" cy="3099862"/>
-          </a:xfrm>
-        </p:spPr>
-      </p:pic>
-      <p:pic>
-        <p:nvPicPr>
-          <p:cNvPr id="7" name="Picture 6" descr="A picture containing text, electronics, screenshot&#10;&#10;Description automatically generated">
-            <a:extLst>
-              <a:ext uri="{FF2B5EF4-FFF2-40B4-BE49-F238E27FC236}">
-                <a16:creationId xmlns:a16="http://schemas.microsoft.com/office/drawing/2014/main" id="{2F61266B-9959-412C-95A1-970977173BCF}"/>
+          <p:cNvPr id="5" name="Picture 4">
+            <a:extLst>
+              <a:ext uri="{FF2B5EF4-FFF2-40B4-BE49-F238E27FC236}">
+                <a16:creationId xmlns:a16="http://schemas.microsoft.com/office/drawing/2014/main" id="{02E9FB0F-1456-490A-8B96-C431A920DFF7}"/>
               </a:ext>
             </a:extLst>
           </p:cNvPr>
@@ -8521,16 +9158,15 @@
           </p:cNvPicPr>
           <p:nvPr/>
         </p:nvPicPr>
-        <p:blipFill>
-          <a:blip r:embed="rId3"/>
-          <a:stretch>
-            <a:fillRect/>
-          </a:stretch>
+        <p:blipFill rotWithShape="1">
+          <a:blip r:embed="rId2"/>
+          <a:srcRect r="402" b="9801"/>
+          <a:stretch/>
         </p:blipFill>
         <p:spPr>
           <a:xfrm>
-            <a:off x="6354147" y="2682639"/>
-            <a:ext cx="5369712" cy="3020463"/>
+            <a:off x="3427837" y="3195375"/>
+            <a:ext cx="5336325" cy="1634091"/>
           </a:xfrm>
           <a:prstGeom prst="rect">
             <a:avLst/>
@@ -8539,10 +9175,10 @@
       </p:pic>
       <p:sp>
         <p:nvSpPr>
-          <p:cNvPr id="8" name="TextBox 7">
-            <a:extLst>
-              <a:ext uri="{FF2B5EF4-FFF2-40B4-BE49-F238E27FC236}">
-                <a16:creationId xmlns:a16="http://schemas.microsoft.com/office/drawing/2014/main" id="{CCEFBCE7-117C-4958-8071-C9550003B5D3}"/>
+          <p:cNvPr id="6" name="TextBox 5">
+            <a:extLst>
+              <a:ext uri="{FF2B5EF4-FFF2-40B4-BE49-F238E27FC236}">
+                <a16:creationId xmlns:a16="http://schemas.microsoft.com/office/drawing/2014/main" id="{470B0C80-A4E2-4240-B4A0-C9A6A35DA505}"/>
               </a:ext>
             </a:extLst>
           </p:cNvPr>
@@ -8551,7 +9187,7 @@
         </p:nvSpPr>
         <p:spPr>
           <a:xfrm>
-            <a:off x="1470504" y="2025333"/>
+            <a:off x="4069927" y="5200307"/>
             <a:ext cx="4113106" cy="369332"/>
           </a:xfrm>
           <a:prstGeom prst="rect">
@@ -8568,43 +9204,7 @@
             <a:pPr algn="ctr"/>
             <a:r>
               <a:rPr lang="en-US" dirty="0"/>
-              <a:t>Roblox</a:t>
-            </a:r>
-          </a:p>
-        </p:txBody>
-      </p:sp>
-      <p:sp>
-        <p:nvSpPr>
-          <p:cNvPr id="9" name="TextBox 8">
-            <a:extLst>
-              <a:ext uri="{FF2B5EF4-FFF2-40B4-BE49-F238E27FC236}">
-                <a16:creationId xmlns:a16="http://schemas.microsoft.com/office/drawing/2014/main" id="{E67ABF4C-C505-45FF-91A6-1D4DF5028681}"/>
-              </a:ext>
-            </a:extLst>
-          </p:cNvPr>
-          <p:cNvSpPr txBox="1"/>
-          <p:nvPr/>
-        </p:nvSpPr>
-        <p:spPr>
-          <a:xfrm>
-            <a:off x="7333239" y="2025333"/>
-            <a:ext cx="4113106" cy="369332"/>
-          </a:xfrm>
-          <a:prstGeom prst="rect">
-            <a:avLst/>
-          </a:prstGeom>
-          <a:noFill/>
-        </p:spPr>
-        <p:txBody>
-          <a:bodyPr wrap="square" rtlCol="0">
-            <a:spAutoFit/>
-          </a:bodyPr>
-          <a:lstStyle/>
-          <a:p>
-            <a:pPr algn="ctr"/>
-            <a:r>
-              <a:rPr lang="en-US" dirty="0"/>
-              <a:t>Emulators</a:t>
+              <a:t>No semicolons!</a:t>
             </a:r>
           </a:p>
         </p:txBody>
@@ -8612,7 +9212,7 @@
     </p:spTree>
     <p:extLst>
       <p:ext uri="{BB962C8B-B14F-4D97-AF65-F5344CB8AC3E}">
-        <p14:creationId xmlns:p14="http://schemas.microsoft.com/office/powerpoint/2010/main" val="3848626012"/>
+        <p14:creationId xmlns:p14="http://schemas.microsoft.com/office/powerpoint/2010/main" val="817637202"/>
       </p:ext>
     </p:extLst>
   </p:cSld>
@@ -8644,7 +9244,7 @@
           <p:cNvPr id="2" name="Title 1">
             <a:extLst>
               <a:ext uri="{FF2B5EF4-FFF2-40B4-BE49-F238E27FC236}">
-                <a16:creationId xmlns:a16="http://schemas.microsoft.com/office/drawing/2014/main" id="{B8389EC0-9777-4A0A-8449-1F1A3EFE535E}"/>
+                <a16:creationId xmlns:a16="http://schemas.microsoft.com/office/drawing/2014/main" id="{BD5598D6-880C-4257-A5C8-E5A3C2AC94A9}"/>
               </a:ext>
             </a:extLst>
           </p:cNvPr>
@@ -8662,17 +9262,17 @@
           <a:p>
             <a:r>
               <a:rPr lang="en-US" dirty="0"/>
-              <a:t>Getting Started With Lua - Basics</a:t>
-            </a:r>
-          </a:p>
-        </p:txBody>
-      </p:sp>
-      <p:sp>
-        <p:nvSpPr>
-          <p:cNvPr id="3" name="Content Placeholder 2">
-            <a:extLst>
-              <a:ext uri="{FF2B5EF4-FFF2-40B4-BE49-F238E27FC236}">
-                <a16:creationId xmlns:a16="http://schemas.microsoft.com/office/drawing/2014/main" id="{0136AA74-C900-41E6-95D8-66881DF421A4}"/>
+              <a:t>Types</a:t>
+            </a:r>
+          </a:p>
+        </p:txBody>
+      </p:sp>
+      <p:sp>
+        <p:nvSpPr>
+          <p:cNvPr id="9" name="Content Placeholder 8">
+            <a:extLst>
+              <a:ext uri="{FF2B5EF4-FFF2-40B4-BE49-F238E27FC236}">
+                <a16:creationId xmlns:a16="http://schemas.microsoft.com/office/drawing/2014/main" id="{D4324CEF-B9A2-428C-AE5D-A6F38005864D}"/>
               </a:ext>
             </a:extLst>
           </p:cNvPr>
@@ -8683,36 +9283,29 @@
             <p:ph idx="1"/>
           </p:nvPr>
         </p:nvSpPr>
-        <p:spPr/>
+        <p:spPr>
+          <a:xfrm>
+            <a:off x="1097280" y="2108201"/>
+            <a:ext cx="10058400" cy="2435807"/>
+          </a:xfrm>
+        </p:spPr>
         <p:txBody>
           <a:bodyPr/>
           <a:lstStyle/>
           <a:p>
             <a:r>
               <a:rPr lang="en-US" dirty="0"/>
-              <a:t>As per tradition, we will start off with a simple “Hello World” message</a:t>
-            </a:r>
-          </a:p>
-          <a:p>
-            <a:endParaRPr lang="en-US" dirty="0"/>
-          </a:p>
-          <a:p>
-            <a:endParaRPr lang="en-US" dirty="0"/>
-          </a:p>
-          <a:p>
-            <a:endParaRPr lang="en-US" dirty="0"/>
-          </a:p>
-          <a:p>
-            <a:endParaRPr lang="en-US" dirty="0"/>
+              <a:t>Lua uses loosely-typed variables by default. There are variants of Lua that allow for strongly-typed variables but they are not as commonly used.</a:t>
+            </a:r>
           </a:p>
         </p:txBody>
       </p:sp>
       <p:pic>
         <p:nvPicPr>
-          <p:cNvPr id="5" name="Picture 4">
-            <a:extLst>
-              <a:ext uri="{FF2B5EF4-FFF2-40B4-BE49-F238E27FC236}">
-                <a16:creationId xmlns:a16="http://schemas.microsoft.com/office/drawing/2014/main" id="{02E9FB0F-1456-490A-8B96-C431A920DFF7}"/>
+          <p:cNvPr id="10" name="Picture 9">
+            <a:extLst>
+              <a:ext uri="{FF2B5EF4-FFF2-40B4-BE49-F238E27FC236}">
+                <a16:creationId xmlns:a16="http://schemas.microsoft.com/office/drawing/2014/main" id="{45BB549F-712D-4DB6-A5C4-9C1026B691DD}"/>
               </a:ext>
             </a:extLst>
           </p:cNvPr>
@@ -8721,61 +9314,26 @@
           </p:cNvPicPr>
           <p:nvPr/>
         </p:nvPicPr>
-        <p:blipFill rotWithShape="1">
-          <a:blip r:embed="rId2"/>
-          <a:srcRect r="402" b="9801"/>
-          <a:stretch/>
+        <p:blipFill>
+          <a:blip r:embed="rId3"/>
+          <a:stretch>
+            <a:fillRect/>
+          </a:stretch>
         </p:blipFill>
         <p:spPr>
           <a:xfrm>
-            <a:off x="3427837" y="3195375"/>
-            <a:ext cx="5336325" cy="1634091"/>
+            <a:off x="1521142" y="3429000"/>
+            <a:ext cx="9210675" cy="2105025"/>
           </a:xfrm>
           <a:prstGeom prst="rect">
             <a:avLst/>
           </a:prstGeom>
         </p:spPr>
       </p:pic>
-      <p:sp>
-        <p:nvSpPr>
-          <p:cNvPr id="6" name="TextBox 5">
-            <a:extLst>
-              <a:ext uri="{FF2B5EF4-FFF2-40B4-BE49-F238E27FC236}">
-                <a16:creationId xmlns:a16="http://schemas.microsoft.com/office/drawing/2014/main" id="{470B0C80-A4E2-4240-B4A0-C9A6A35DA505}"/>
-              </a:ext>
-            </a:extLst>
-          </p:cNvPr>
-          <p:cNvSpPr txBox="1"/>
-          <p:nvPr/>
-        </p:nvSpPr>
-        <p:spPr>
-          <a:xfrm>
-            <a:off x="4069927" y="5200307"/>
-            <a:ext cx="4113106" cy="369332"/>
-          </a:xfrm>
-          <a:prstGeom prst="rect">
-            <a:avLst/>
-          </a:prstGeom>
-          <a:noFill/>
-        </p:spPr>
-        <p:txBody>
-          <a:bodyPr wrap="square" rtlCol="0">
-            <a:spAutoFit/>
-          </a:bodyPr>
-          <a:lstStyle/>
-          <a:p>
-            <a:pPr algn="ctr"/>
-            <a:r>
-              <a:rPr lang="en-US" dirty="0"/>
-              <a:t>No semicolons!</a:t>
-            </a:r>
-          </a:p>
-        </p:txBody>
-      </p:sp>
     </p:spTree>
     <p:extLst>
       <p:ext uri="{BB962C8B-B14F-4D97-AF65-F5344CB8AC3E}">
-        <p14:creationId xmlns:p14="http://schemas.microsoft.com/office/powerpoint/2010/main" val="817637202"/>
+        <p14:creationId xmlns:p14="http://schemas.microsoft.com/office/powerpoint/2010/main" val="4177410623"/>
       </p:ext>
     </p:extLst>
   </p:cSld>

--- a/Lua Presentation.pptx
+++ b/Lua Presentation.pptx
@@ -8651,7 +8651,7 @@
           <a:p>
             <a:r>
               <a:rPr lang="en-US" dirty="0"/>
-              <a:t>Lua is very popular in the video game community, often seen as one of the most popular scripting languages. A few games that are made in/use Lua scripting are:</a:t>
+              <a:t>Lua is very popular in the video game community, often seen as one of the most popular scripting languages. A few games that are made in or use Lua scripting are:</a:t>
             </a:r>
           </a:p>
           <a:p>
